--- a/需求变更/需求变更.pptx
+++ b/需求变更/需求变更.pptx
@@ -11,12 +11,14 @@
     <p:sldId id="262" r:id="rId5"/>
     <p:sldId id="263" r:id="rId6"/>
     <p:sldId id="264" r:id="rId7"/>
-    <p:sldId id="265" r:id="rId8"/>
-    <p:sldId id="294" r:id="rId9"/>
-    <p:sldId id="295" r:id="rId10"/>
-    <p:sldId id="296" r:id="rId11"/>
-    <p:sldId id="297" r:id="rId12"/>
-    <p:sldId id="292" r:id="rId13"/>
+    <p:sldId id="299" r:id="rId8"/>
+    <p:sldId id="265" r:id="rId9"/>
+    <p:sldId id="294" r:id="rId10"/>
+    <p:sldId id="298" r:id="rId11"/>
+    <p:sldId id="295" r:id="rId12"/>
+    <p:sldId id="296" r:id="rId13"/>
+    <p:sldId id="297" r:id="rId14"/>
+    <p:sldId id="292" r:id="rId15"/>
   </p:sldIdLst>
   <p:sldSz cx="12192000" cy="6858000"/>
   <p:notesSz cx="6858000" cy="9144000"/>
@@ -126,8 +128,10 @@
             <p14:sldId id="262"/>
             <p14:sldId id="263"/>
             <p14:sldId id="264"/>
+            <p14:sldId id="299"/>
             <p14:sldId id="265"/>
             <p14:sldId id="294"/>
+            <p14:sldId id="298"/>
             <p14:sldId id="295"/>
             <p14:sldId id="296"/>
             <p14:sldId id="297"/>
@@ -137,7 +141,7 @@
       </p14:sectionLst>
     </p:ext>
     <p:ext uri="{EFAFB233-063F-42B5-8137-9DF3F51BA10A}">
-      <p15:sldGuideLst xmlns:p15="http://schemas.microsoft.com/office/powerpoint/2012/main" xmlns="">
+      <p15:sldGuideLst xmlns="" xmlns:p15="http://schemas.microsoft.com/office/powerpoint/2012/main">
         <p15:guide id="1" orient="horz" pos="2160" userDrawn="1">
           <p15:clr>
             <a:srgbClr val="A4A3A4"/>
@@ -297,7 +301,7 @@
                 </a:solidFill>
               </a:rPr>
               <a:pPr/>
-              <a:t>2017-01-01</a:t>
+              <a:t>2017-01-03</a:t>
             </a:fld>
             <a:endParaRPr lang="zh-CN" altLang="en-US">
               <a:solidFill>
@@ -499,7 +503,7 @@
                 </a:solidFill>
               </a:rPr>
               <a:pPr/>
-              <a:t>2017-01-01</a:t>
+              <a:t>2017-01-03</a:t>
             </a:fld>
             <a:endParaRPr lang="zh-CN" altLang="en-US">
               <a:solidFill>
@@ -711,7 +715,7 @@
                 </a:solidFill>
               </a:rPr>
               <a:pPr/>
-              <a:t>2017-01-01</a:t>
+              <a:t>2017-01-03</a:t>
             </a:fld>
             <a:endParaRPr lang="zh-CN" altLang="en-US">
               <a:solidFill>
@@ -913,7 +917,7 @@
                 </a:solidFill>
               </a:rPr>
               <a:pPr/>
-              <a:t>2017-01-01</a:t>
+              <a:t>2017-01-03</a:t>
             </a:fld>
             <a:endParaRPr lang="zh-CN" altLang="en-US">
               <a:solidFill>
@@ -1191,7 +1195,7 @@
                 </a:solidFill>
               </a:rPr>
               <a:pPr/>
-              <a:t>2017-01-01</a:t>
+              <a:t>2017-01-03</a:t>
             </a:fld>
             <a:endParaRPr lang="zh-CN" altLang="en-US">
               <a:solidFill>
@@ -1455,7 +1459,7 @@
                 </a:solidFill>
               </a:rPr>
               <a:pPr/>
-              <a:t>2017-01-01</a:t>
+              <a:t>2017-01-03</a:t>
             </a:fld>
             <a:endParaRPr lang="zh-CN" altLang="en-US">
               <a:solidFill>
@@ -1854,7 +1858,7 @@
                 </a:solidFill>
               </a:rPr>
               <a:pPr/>
-              <a:t>2017-01-01</a:t>
+              <a:t>2017-01-03</a:t>
             </a:fld>
             <a:endParaRPr lang="zh-CN" altLang="en-US">
               <a:solidFill>
@@ -2004,7 +2008,7 @@
                 </a:solidFill>
               </a:rPr>
               <a:pPr/>
-              <a:t>2017-01-01</a:t>
+              <a:t>2017-01-03</a:t>
             </a:fld>
             <a:endParaRPr lang="zh-CN" altLang="en-US">
               <a:solidFill>
@@ -2131,7 +2135,7 @@
                 </a:solidFill>
               </a:rPr>
               <a:pPr/>
-              <a:t>2017-01-01</a:t>
+              <a:t>2017-01-03</a:t>
             </a:fld>
             <a:endParaRPr lang="zh-CN" altLang="en-US">
               <a:solidFill>
@@ -2440,7 +2444,7 @@
                 </a:solidFill>
               </a:rPr>
               <a:pPr/>
-              <a:t>2017-01-01</a:t>
+              <a:t>2017-01-03</a:t>
             </a:fld>
             <a:endParaRPr lang="zh-CN" altLang="en-US">
               <a:solidFill>
@@ -2725,7 +2729,7 @@
                 </a:solidFill>
               </a:rPr>
               <a:pPr/>
-              <a:t>2017-01-01</a:t>
+              <a:t>2017-01-03</a:t>
             </a:fld>
             <a:endParaRPr lang="zh-CN" altLang="en-US">
               <a:solidFill>
@@ -2970,7 +2974,7 @@
                 </a:solidFill>
               </a:rPr>
               <a:pPr/>
-              <a:t>2017-01-01</a:t>
+              <a:t>2017-01-03</a:t>
             </a:fld>
             <a:endParaRPr lang="zh-CN" altLang="en-US">
               <a:solidFill>
@@ -4200,6 +4204,1474 @@
                 <a:latin typeface="微软雅黑" panose="020B0503020204020204" pitchFamily="34" charset="-122"/>
                 <a:ea typeface="微软雅黑" panose="020B0503020204020204" pitchFamily="34" charset="-122"/>
               </a:rPr>
+              <a:t>变更实际花费</a:t>
+            </a:r>
+            <a:r>
+              <a:rPr lang="zh-CN" altLang="en-US" sz="3600" dirty="0" smtClean="0">
+                <a:solidFill>
+                  <a:prstClr val="black">
+                    <a:lumMod val="50000"/>
+                    <a:lumOff val="50000"/>
+                  </a:prstClr>
+                </a:solidFill>
+                <a:latin typeface="微软雅黑" panose="020B0503020204020204" pitchFamily="34" charset="-122"/>
+                <a:ea typeface="微软雅黑" panose="020B0503020204020204" pitchFamily="34" charset="-122"/>
+              </a:rPr>
+              <a:t>的时间</a:t>
+            </a:r>
+            <a:endParaRPr lang="zh-CN" altLang="en-US" sz="3600" dirty="0">
+              <a:solidFill>
+                <a:prstClr val="black">
+                  <a:lumMod val="50000"/>
+                  <a:lumOff val="50000"/>
+                </a:prstClr>
+              </a:solidFill>
+              <a:latin typeface="微软雅黑" panose="020B0503020204020204" pitchFamily="34" charset="-122"/>
+              <a:ea typeface="微软雅黑" panose="020B0503020204020204" pitchFamily="34" charset="-122"/>
+            </a:endParaRPr>
+          </a:p>
+        </p:txBody>
+      </p:sp>
+      <p:graphicFrame>
+        <p:nvGraphicFramePr>
+          <p:cNvPr id="2" name="表格 1"/>
+          <p:cNvGraphicFramePr>
+            <a:graphicFrameLocks noGrp="1"/>
+          </p:cNvGraphicFramePr>
+          <p:nvPr>
+            <p:extLst>
+              <p:ext uri="{D42A27DB-BD31-4B8C-83A1-F6EECF244321}">
+                <p14:modId xmlns:p14="http://schemas.microsoft.com/office/powerpoint/2010/main" val="3687848449"/>
+              </p:ext>
+            </p:extLst>
+          </p:nvPr>
+        </p:nvGraphicFramePr>
+        <p:xfrm>
+          <a:off x="1442720" y="1432558"/>
+          <a:ext cx="8483600" cy="3911600"/>
+        </p:xfrm>
+        <a:graphic>
+          <a:graphicData uri="http://schemas.openxmlformats.org/drawingml/2006/table">
+            <a:tbl>
+              <a:tblPr firstRow="1" firstCol="1" bandRow="1">
+                <a:tableStyleId>{5C22544A-7EE6-4342-B048-85BDC9FD1C3A}</a:tableStyleId>
+              </a:tblPr>
+              <a:tblGrid>
+                <a:gridCol w="4241800"/>
+                <a:gridCol w="4241800"/>
+              </a:tblGrid>
+              <a:tr h="488950">
+                <a:tc>
+                  <a:txBody>
+                    <a:bodyPr/>
+                    <a:lstStyle/>
+                    <a:p>
+                      <a:pPr algn="just">
+                        <a:spcAft>
+                          <a:spcPts val="0"/>
+                        </a:spcAft>
+                      </a:pPr>
+                      <a:r>
+                        <a:rPr lang="zh-CN" sz="1800" kern="100" dirty="0">
+                          <a:effectLst/>
+                        </a:rPr>
+                        <a:t>任务名称</a:t>
+                      </a:r>
+                      <a:endParaRPr lang="zh-CN" sz="1800" kern="100" dirty="0">
+                        <a:effectLst/>
+                        <a:latin typeface="Calibri"/>
+                        <a:ea typeface="宋体"/>
+                        <a:cs typeface="Times New Roman"/>
+                      </a:endParaRPr>
+                    </a:p>
+                  </a:txBody>
+                  <a:tcPr marL="68580" marR="68580" marT="0" marB="0"/>
+                </a:tc>
+                <a:tc>
+                  <a:txBody>
+                    <a:bodyPr/>
+                    <a:lstStyle/>
+                    <a:p>
+                      <a:pPr algn="just">
+                        <a:spcAft>
+                          <a:spcPts val="0"/>
+                        </a:spcAft>
+                      </a:pPr>
+                      <a:r>
+                        <a:rPr lang="zh-CN" altLang="en-US" sz="1800" kern="100" dirty="0" smtClean="0">
+                          <a:effectLst/>
+                        </a:rPr>
+                        <a:t>估计</a:t>
+                      </a:r>
+                      <a:r>
+                        <a:rPr lang="zh-CN" sz="1800" kern="100" dirty="0" smtClean="0">
+                          <a:effectLst/>
+                        </a:rPr>
+                        <a:t>工时</a:t>
+                      </a:r>
+                      <a:endParaRPr lang="zh-CN" sz="1800" kern="100" dirty="0">
+                        <a:effectLst/>
+                        <a:latin typeface="Calibri"/>
+                        <a:ea typeface="宋体"/>
+                        <a:cs typeface="Times New Roman"/>
+                      </a:endParaRPr>
+                    </a:p>
+                  </a:txBody>
+                  <a:tcPr marL="68580" marR="68580" marT="0" marB="0"/>
+                </a:tc>
+              </a:tr>
+              <a:tr h="488950">
+                <a:tc>
+                  <a:txBody>
+                    <a:bodyPr/>
+                    <a:lstStyle/>
+                    <a:p>
+                      <a:pPr algn="just">
+                        <a:spcAft>
+                          <a:spcPts val="0"/>
+                        </a:spcAft>
+                      </a:pPr>
+                      <a:r>
+                        <a:rPr lang="zh-CN" sz="1800" kern="100" dirty="0">
+                          <a:effectLst/>
+                        </a:rPr>
+                        <a:t>界面原型的修改</a:t>
+                      </a:r>
+                      <a:endParaRPr lang="zh-CN" sz="1800" kern="100" dirty="0">
+                        <a:effectLst/>
+                        <a:latin typeface="Calibri"/>
+                        <a:ea typeface="宋体"/>
+                        <a:cs typeface="Times New Roman"/>
+                      </a:endParaRPr>
+                    </a:p>
+                  </a:txBody>
+                  <a:tcPr marL="68580" marR="68580" marT="0" marB="0"/>
+                </a:tc>
+                <a:tc>
+                  <a:txBody>
+                    <a:bodyPr/>
+                    <a:lstStyle/>
+                    <a:p>
+                      <a:pPr algn="just">
+                        <a:spcAft>
+                          <a:spcPts val="0"/>
+                        </a:spcAft>
+                      </a:pPr>
+                      <a:r>
+                        <a:rPr lang="en-US" sz="1800" kern="100" dirty="0">
+                          <a:effectLst/>
+                        </a:rPr>
+                        <a:t>1</a:t>
+                      </a:r>
+                      <a:r>
+                        <a:rPr lang="zh-CN" sz="1800" kern="100" dirty="0">
+                          <a:effectLst/>
+                        </a:rPr>
+                        <a:t>个小时</a:t>
+                      </a:r>
+                      <a:endParaRPr lang="zh-CN" sz="1800" kern="100" dirty="0">
+                        <a:effectLst/>
+                        <a:latin typeface="Calibri"/>
+                        <a:ea typeface="宋体"/>
+                        <a:cs typeface="Times New Roman"/>
+                      </a:endParaRPr>
+                    </a:p>
+                  </a:txBody>
+                  <a:tcPr marL="68580" marR="68580" marT="0" marB="0"/>
+                </a:tc>
+              </a:tr>
+              <a:tr h="488950">
+                <a:tc>
+                  <a:txBody>
+                    <a:bodyPr/>
+                    <a:lstStyle/>
+                    <a:p>
+                      <a:pPr algn="just">
+                        <a:spcAft>
+                          <a:spcPts val="0"/>
+                        </a:spcAft>
+                      </a:pPr>
+                      <a:r>
+                        <a:rPr lang="zh-CN" sz="1800" kern="100">
+                          <a:effectLst/>
+                        </a:rPr>
+                        <a:t>软件需求规格说明书修正</a:t>
+                      </a:r>
+                      <a:endParaRPr lang="zh-CN" sz="1800" kern="100">
+                        <a:effectLst/>
+                        <a:latin typeface="Calibri"/>
+                        <a:ea typeface="宋体"/>
+                        <a:cs typeface="Times New Roman"/>
+                      </a:endParaRPr>
+                    </a:p>
+                  </a:txBody>
+                  <a:tcPr marL="68580" marR="68580" marT="0" marB="0"/>
+                </a:tc>
+                <a:tc>
+                  <a:txBody>
+                    <a:bodyPr/>
+                    <a:lstStyle/>
+                    <a:p>
+                      <a:pPr algn="just">
+                        <a:spcAft>
+                          <a:spcPts val="0"/>
+                        </a:spcAft>
+                      </a:pPr>
+                      <a:r>
+                        <a:rPr lang="en-US" altLang="zh-CN" sz="1800" kern="100" dirty="0" smtClean="0">
+                          <a:effectLst/>
+                        </a:rPr>
+                        <a:t>0.5</a:t>
+                      </a:r>
+                      <a:r>
+                        <a:rPr lang="zh-CN" sz="1800" kern="100" dirty="0" smtClean="0">
+                          <a:effectLst/>
+                        </a:rPr>
+                        <a:t>个小时</a:t>
+                      </a:r>
+                      <a:endParaRPr lang="zh-CN" sz="1800" kern="100" dirty="0">
+                        <a:effectLst/>
+                        <a:latin typeface="Calibri"/>
+                        <a:ea typeface="宋体"/>
+                        <a:cs typeface="Times New Roman"/>
+                      </a:endParaRPr>
+                    </a:p>
+                  </a:txBody>
+                  <a:tcPr marL="68580" marR="68580" marT="0" marB="0"/>
+                </a:tc>
+              </a:tr>
+              <a:tr h="488950">
+                <a:tc>
+                  <a:txBody>
+                    <a:bodyPr/>
+                    <a:lstStyle/>
+                    <a:p>
+                      <a:pPr algn="just">
+                        <a:spcAft>
+                          <a:spcPts val="0"/>
+                        </a:spcAft>
+                      </a:pPr>
+                      <a:r>
+                        <a:rPr lang="zh-CN" sz="1800" kern="100">
+                          <a:effectLst/>
+                        </a:rPr>
+                        <a:t>用例场景描述修正</a:t>
+                      </a:r>
+                      <a:endParaRPr lang="zh-CN" sz="1800" kern="100">
+                        <a:effectLst/>
+                        <a:latin typeface="Calibri"/>
+                        <a:ea typeface="宋体"/>
+                        <a:cs typeface="Times New Roman"/>
+                      </a:endParaRPr>
+                    </a:p>
+                  </a:txBody>
+                  <a:tcPr marL="68580" marR="68580" marT="0" marB="0"/>
+                </a:tc>
+                <a:tc>
+                  <a:txBody>
+                    <a:bodyPr/>
+                    <a:lstStyle/>
+                    <a:p>
+                      <a:pPr algn="just">
+                        <a:spcAft>
+                          <a:spcPts val="0"/>
+                        </a:spcAft>
+                      </a:pPr>
+                      <a:r>
+                        <a:rPr lang="en-US" altLang="zh-CN" sz="1800" kern="100" dirty="0" smtClean="0">
+                          <a:effectLst/>
+                        </a:rPr>
+                        <a:t>2</a:t>
+                      </a:r>
+                      <a:r>
+                        <a:rPr lang="zh-CN" sz="1800" kern="100" dirty="0" smtClean="0">
+                          <a:effectLst/>
+                        </a:rPr>
+                        <a:t>个小时</a:t>
+                      </a:r>
+                      <a:endParaRPr lang="zh-CN" sz="1800" kern="100" dirty="0">
+                        <a:effectLst/>
+                        <a:latin typeface="Calibri"/>
+                        <a:ea typeface="宋体"/>
+                        <a:cs typeface="Times New Roman"/>
+                      </a:endParaRPr>
+                    </a:p>
+                  </a:txBody>
+                  <a:tcPr marL="68580" marR="68580" marT="0" marB="0"/>
+                </a:tc>
+              </a:tr>
+              <a:tr h="488950">
+                <a:tc>
+                  <a:txBody>
+                    <a:bodyPr/>
+                    <a:lstStyle/>
+                    <a:p>
+                      <a:pPr algn="just">
+                        <a:spcAft>
+                          <a:spcPts val="0"/>
+                        </a:spcAft>
+                      </a:pPr>
+                      <a:r>
+                        <a:rPr lang="zh-CN" sz="1800" kern="100">
+                          <a:effectLst/>
+                        </a:rPr>
+                        <a:t>测试用例设计</a:t>
+                      </a:r>
+                      <a:endParaRPr lang="zh-CN" sz="1800" kern="100">
+                        <a:effectLst/>
+                        <a:latin typeface="Calibri"/>
+                        <a:ea typeface="宋体"/>
+                        <a:cs typeface="Times New Roman"/>
+                      </a:endParaRPr>
+                    </a:p>
+                  </a:txBody>
+                  <a:tcPr marL="68580" marR="68580" marT="0" marB="0"/>
+                </a:tc>
+                <a:tc>
+                  <a:txBody>
+                    <a:bodyPr/>
+                    <a:lstStyle/>
+                    <a:p>
+                      <a:pPr algn="just">
+                        <a:spcAft>
+                          <a:spcPts val="0"/>
+                        </a:spcAft>
+                      </a:pPr>
+                      <a:r>
+                        <a:rPr lang="en-US" sz="1800" kern="100" dirty="0">
+                          <a:effectLst/>
+                        </a:rPr>
+                        <a:t>0.5</a:t>
+                      </a:r>
+                      <a:r>
+                        <a:rPr lang="zh-CN" sz="1800" kern="100" dirty="0">
+                          <a:effectLst/>
+                        </a:rPr>
+                        <a:t>个小时</a:t>
+                      </a:r>
+                      <a:endParaRPr lang="zh-CN" sz="1800" kern="100" dirty="0">
+                        <a:effectLst/>
+                        <a:latin typeface="Calibri"/>
+                        <a:ea typeface="宋体"/>
+                        <a:cs typeface="Times New Roman"/>
+                      </a:endParaRPr>
+                    </a:p>
+                  </a:txBody>
+                  <a:tcPr marL="68580" marR="68580" marT="0" marB="0"/>
+                </a:tc>
+              </a:tr>
+              <a:tr h="488950">
+                <a:tc>
+                  <a:txBody>
+                    <a:bodyPr/>
+                    <a:lstStyle/>
+                    <a:p>
+                      <a:pPr algn="just">
+                        <a:spcAft>
+                          <a:spcPts val="0"/>
+                        </a:spcAft>
+                      </a:pPr>
+                      <a:r>
+                        <a:rPr lang="zh-CN" sz="1800" kern="100">
+                          <a:effectLst/>
+                        </a:rPr>
+                        <a:t>范围与前景文档修正</a:t>
+                      </a:r>
+                      <a:endParaRPr lang="zh-CN" sz="1800" kern="100">
+                        <a:effectLst/>
+                        <a:latin typeface="Calibri"/>
+                        <a:ea typeface="宋体"/>
+                        <a:cs typeface="Times New Roman"/>
+                      </a:endParaRPr>
+                    </a:p>
+                  </a:txBody>
+                  <a:tcPr marL="68580" marR="68580" marT="0" marB="0"/>
+                </a:tc>
+                <a:tc>
+                  <a:txBody>
+                    <a:bodyPr/>
+                    <a:lstStyle/>
+                    <a:p>
+                      <a:pPr algn="just">
+                        <a:spcAft>
+                          <a:spcPts val="0"/>
+                        </a:spcAft>
+                      </a:pPr>
+                      <a:r>
+                        <a:rPr lang="en-US" sz="1800" kern="100" dirty="0">
+                          <a:effectLst/>
+                        </a:rPr>
+                        <a:t>1</a:t>
+                      </a:r>
+                      <a:r>
+                        <a:rPr lang="zh-CN" sz="1800" kern="100" dirty="0">
+                          <a:effectLst/>
+                        </a:rPr>
+                        <a:t>个小时</a:t>
+                      </a:r>
+                      <a:endParaRPr lang="zh-CN" sz="1800" kern="100" dirty="0">
+                        <a:effectLst/>
+                        <a:latin typeface="Calibri"/>
+                        <a:ea typeface="宋体"/>
+                        <a:cs typeface="Times New Roman"/>
+                      </a:endParaRPr>
+                    </a:p>
+                  </a:txBody>
+                  <a:tcPr marL="68580" marR="68580" marT="0" marB="0"/>
+                </a:tc>
+              </a:tr>
+              <a:tr h="488950">
+                <a:tc>
+                  <a:txBody>
+                    <a:bodyPr/>
+                    <a:lstStyle/>
+                    <a:p>
+                      <a:pPr algn="just">
+                        <a:spcAft>
+                          <a:spcPts val="0"/>
+                        </a:spcAft>
+                      </a:pPr>
+                      <a:r>
+                        <a:rPr lang="zh-CN" sz="1800" kern="100">
+                          <a:effectLst/>
+                        </a:rPr>
+                        <a:t>数据字典修正</a:t>
+                      </a:r>
+                      <a:endParaRPr lang="zh-CN" sz="1800" kern="100">
+                        <a:effectLst/>
+                        <a:latin typeface="Calibri"/>
+                        <a:ea typeface="宋体"/>
+                        <a:cs typeface="Times New Roman"/>
+                      </a:endParaRPr>
+                    </a:p>
+                  </a:txBody>
+                  <a:tcPr marL="68580" marR="68580" marT="0" marB="0"/>
+                </a:tc>
+                <a:tc>
+                  <a:txBody>
+                    <a:bodyPr/>
+                    <a:lstStyle/>
+                    <a:p>
+                      <a:pPr algn="just">
+                        <a:spcAft>
+                          <a:spcPts val="0"/>
+                        </a:spcAft>
+                      </a:pPr>
+                      <a:r>
+                        <a:rPr lang="en-US" sz="1800" kern="100" dirty="0">
+                          <a:effectLst/>
+                        </a:rPr>
+                        <a:t>0.5</a:t>
+                      </a:r>
+                      <a:r>
+                        <a:rPr lang="zh-CN" sz="1800" kern="100" dirty="0">
+                          <a:effectLst/>
+                        </a:rPr>
+                        <a:t>个小时</a:t>
+                      </a:r>
+                      <a:endParaRPr lang="zh-CN" sz="1800" kern="100" dirty="0">
+                        <a:effectLst/>
+                        <a:latin typeface="Calibri"/>
+                        <a:ea typeface="宋体"/>
+                        <a:cs typeface="Times New Roman"/>
+                      </a:endParaRPr>
+                    </a:p>
+                  </a:txBody>
+                  <a:tcPr marL="68580" marR="68580" marT="0" marB="0"/>
+                </a:tc>
+              </a:tr>
+              <a:tr h="488950">
+                <a:tc>
+                  <a:txBody>
+                    <a:bodyPr/>
+                    <a:lstStyle/>
+                    <a:p>
+                      <a:pPr algn="just">
+                        <a:spcAft>
+                          <a:spcPts val="0"/>
+                        </a:spcAft>
+                      </a:pPr>
+                      <a:r>
+                        <a:rPr lang="zh-CN" sz="1800" kern="100" dirty="0">
+                          <a:effectLst/>
+                        </a:rPr>
+                        <a:t>用户手册修正</a:t>
+                      </a:r>
+                      <a:endParaRPr lang="zh-CN" sz="1800" kern="100" dirty="0">
+                        <a:effectLst/>
+                        <a:latin typeface="Calibri"/>
+                        <a:ea typeface="宋体"/>
+                        <a:cs typeface="Times New Roman"/>
+                      </a:endParaRPr>
+                    </a:p>
+                  </a:txBody>
+                  <a:tcPr marL="68580" marR="68580" marT="0" marB="0"/>
+                </a:tc>
+                <a:tc>
+                  <a:txBody>
+                    <a:bodyPr/>
+                    <a:lstStyle/>
+                    <a:p>
+                      <a:pPr algn="just">
+                        <a:spcAft>
+                          <a:spcPts val="0"/>
+                        </a:spcAft>
+                      </a:pPr>
+                      <a:r>
+                        <a:rPr lang="en-US" sz="1800" kern="100" dirty="0">
+                          <a:effectLst/>
+                        </a:rPr>
+                        <a:t>0.5</a:t>
+                      </a:r>
+                      <a:r>
+                        <a:rPr lang="zh-CN" sz="1800" kern="100" dirty="0">
+                          <a:effectLst/>
+                        </a:rPr>
+                        <a:t>个小时</a:t>
+                      </a:r>
+                      <a:endParaRPr lang="zh-CN" sz="1800" kern="100" dirty="0">
+                        <a:effectLst/>
+                        <a:latin typeface="Calibri"/>
+                        <a:ea typeface="宋体"/>
+                        <a:cs typeface="Times New Roman"/>
+                      </a:endParaRPr>
+                    </a:p>
+                  </a:txBody>
+                  <a:tcPr marL="68580" marR="68580" marT="0" marB="0"/>
+                </a:tc>
+              </a:tr>
+            </a:tbl>
+          </a:graphicData>
+        </a:graphic>
+      </p:graphicFrame>
+      <p:sp>
+        <p:nvSpPr>
+          <p:cNvPr id="3" name="Rectangle 1"/>
+          <p:cNvSpPr>
+            <a:spLocks noChangeArrowheads="1"/>
+          </p:cNvSpPr>
+          <p:nvPr/>
+        </p:nvSpPr>
+        <p:spPr bwMode="auto">
+          <a:xfrm>
+            <a:off x="1481138" y="5586989"/>
+            <a:ext cx="3648756" cy="400110"/>
+          </a:xfrm>
+          <a:prstGeom prst="rect">
+            <a:avLst/>
+          </a:prstGeom>
+          <a:noFill/>
+          <a:ln>
+            <a:noFill/>
+          </a:ln>
+          <a:effectLst/>
+          <a:extLst>
+            <a:ext uri="{909E8E84-426E-40DD-AFC4-6F175D3DCCD1}">
+              <a14:hiddenFill xmlns:a14="http://schemas.microsoft.com/office/drawing/2010/main">
+                <a:solidFill>
+                  <a:schemeClr val="accent1"/>
+                </a:solidFill>
+              </a14:hiddenFill>
+            </a:ext>
+            <a:ext uri="{91240B29-F687-4F45-9708-019B960494DF}">
+              <a14:hiddenLine xmlns:a14="http://schemas.microsoft.com/office/drawing/2010/main" w="9525">
+                <a:solidFill>
+                  <a:schemeClr val="tx1"/>
+                </a:solidFill>
+                <a:miter lim="800000"/>
+                <a:headEnd/>
+                <a:tailEnd/>
+              </a14:hiddenLine>
+            </a:ext>
+            <a:ext uri="{AF507438-7753-43E0-B8FC-AC1667EBCBE1}">
+              <a14:hiddenEffects xmlns:a14="http://schemas.microsoft.com/office/drawing/2010/main">
+                <a:effectLst>
+                  <a:outerShdw dist="35921" dir="2700000" algn="ctr" rotWithShape="0">
+                    <a:schemeClr val="bg2"/>
+                  </a:outerShdw>
+                </a:effectLst>
+              </a14:hiddenEffects>
+            </a:ext>
+          </a:extLst>
+        </p:spPr>
+        <p:txBody>
+          <a:bodyPr vert="horz" wrap="none" lIns="91440" tIns="45720" rIns="91440" bIns="45720" numCol="1" anchor="ctr" anchorCtr="0" compatLnSpc="1">
+            <a:prstTxWarp prst="textNoShape">
+              <a:avLst/>
+            </a:prstTxWarp>
+            <a:spAutoFit/>
+          </a:bodyPr>
+          <a:lstStyle/>
+          <a:p>
+            <a:pPr marL="0" marR="0" lvl="0" indent="0" algn="l" defTabSz="914400" rtl="0" eaLnBrk="1" fontAlgn="base" latinLnBrk="0" hangingPunct="1">
+              <a:lnSpc>
+                <a:spcPct val="100000"/>
+              </a:lnSpc>
+              <a:spcBef>
+                <a:spcPct val="0"/>
+              </a:spcBef>
+              <a:spcAft>
+                <a:spcPct val="0"/>
+              </a:spcAft>
+              <a:buClrTx/>
+              <a:buSzTx/>
+              <a:buFontTx/>
+              <a:buNone/>
+              <a:tabLst/>
+            </a:pPr>
+            <a:r>
+              <a:rPr kumimoji="0" lang="zh-CN" sz="2000" b="0" i="0" u="none" strike="noStrike" cap="none" normalizeH="0" baseline="0" dirty="0" smtClean="0">
+                <a:ln>
+                  <a:noFill/>
+                </a:ln>
+                <a:solidFill>
+                  <a:schemeClr val="tx1"/>
+                </a:solidFill>
+                <a:effectLst/>
+                <a:latin typeface="Calibri" pitchFamily="34" charset="0"/>
+                <a:ea typeface="宋体" pitchFamily="2" charset="-122"/>
+                <a:cs typeface="Times New Roman" pitchFamily="18" charset="0"/>
+              </a:rPr>
+              <a:t>完成需求变更应花费</a:t>
+            </a:r>
+            <a:r>
+              <a:rPr kumimoji="0" lang="zh-CN" sz="2000" b="0" i="0" u="none" strike="noStrike" cap="none" normalizeH="0" baseline="0" dirty="0" smtClean="0">
+                <a:ln>
+                  <a:noFill/>
+                </a:ln>
+                <a:solidFill>
+                  <a:schemeClr val="tx1"/>
+                </a:solidFill>
+                <a:effectLst/>
+                <a:latin typeface="Calibri" pitchFamily="34" charset="0"/>
+                <a:ea typeface="宋体" pitchFamily="2" charset="-122"/>
+                <a:cs typeface="Times New Roman" pitchFamily="18" charset="0"/>
+              </a:rPr>
+              <a:t>：</a:t>
+            </a:r>
+            <a:r>
+              <a:rPr kumimoji="0" lang="en-US" altLang="zh-CN" sz="2000" b="0" i="0" u="none" strike="noStrike" cap="none" normalizeH="0" baseline="0" dirty="0" smtClean="0">
+                <a:ln>
+                  <a:noFill/>
+                </a:ln>
+                <a:solidFill>
+                  <a:schemeClr val="tx1"/>
+                </a:solidFill>
+                <a:effectLst/>
+                <a:latin typeface="Calibri" pitchFamily="34" charset="0"/>
+                <a:ea typeface="宋体" pitchFamily="2" charset="-122"/>
+                <a:cs typeface="Times New Roman" pitchFamily="18" charset="0"/>
+              </a:rPr>
+              <a:t>6</a:t>
+            </a:r>
+            <a:r>
+              <a:rPr kumimoji="0" lang="zh-CN" altLang="en-US" sz="2000" b="0" i="0" u="none" strike="noStrike" cap="none" normalizeH="0" baseline="0" dirty="0" smtClean="0">
+                <a:ln>
+                  <a:noFill/>
+                </a:ln>
+                <a:solidFill>
+                  <a:schemeClr val="tx1"/>
+                </a:solidFill>
+                <a:effectLst/>
+                <a:latin typeface="Calibri" pitchFamily="34" charset="0"/>
+                <a:ea typeface="宋体" pitchFamily="2" charset="-122"/>
+                <a:cs typeface="Times New Roman" pitchFamily="18" charset="0"/>
+              </a:rPr>
+              <a:t>个</a:t>
+            </a:r>
+            <a:r>
+              <a:rPr kumimoji="0" lang="zh-CN" altLang="en-US" sz="2000" b="0" i="0" u="none" strike="noStrike" cap="none" normalizeH="0" baseline="0" dirty="0" smtClean="0">
+                <a:ln>
+                  <a:noFill/>
+                </a:ln>
+                <a:solidFill>
+                  <a:schemeClr val="tx1"/>
+                </a:solidFill>
+                <a:effectLst/>
+                <a:latin typeface="Calibri" pitchFamily="34" charset="0"/>
+                <a:ea typeface="宋体" pitchFamily="2" charset="-122"/>
+                <a:cs typeface="Times New Roman" pitchFamily="18" charset="0"/>
+              </a:rPr>
+              <a:t>小时</a:t>
+            </a:r>
+            <a:endParaRPr kumimoji="0" lang="zh-CN" altLang="en-US" sz="4400" b="0" i="0" u="none" strike="noStrike" cap="none" normalizeH="0" baseline="0" dirty="0" smtClean="0">
+              <a:ln>
+                <a:noFill/>
+              </a:ln>
+              <a:solidFill>
+                <a:schemeClr val="tx1"/>
+              </a:solidFill>
+              <a:effectLst/>
+              <a:latin typeface="Arial" pitchFamily="34" charset="0"/>
+              <a:ea typeface="宋体" pitchFamily="2" charset="-122"/>
+              <a:cs typeface="宋体" pitchFamily="2" charset="-122"/>
+            </a:endParaRPr>
+          </a:p>
+        </p:txBody>
+      </p:sp>
+    </p:spTree>
+    <p:extLst>
+      <p:ext uri="{BB962C8B-B14F-4D97-AF65-F5344CB8AC3E}">
+        <p14:creationId xmlns:p14="http://schemas.microsoft.com/office/powerpoint/2010/main" val="665823565"/>
+      </p:ext>
+    </p:extLst>
+  </p:cSld>
+  <p:clrMapOvr>
+    <a:masterClrMapping/>
+  </p:clrMapOvr>
+  <p:transition spd="slow">
+    <p:fade/>
+  </p:transition>
+  <p:timing>
+    <p:tnLst>
+      <p:par>
+        <p:cTn id="1" dur="indefinite" restart="never" nodeType="tmRoot"/>
+      </p:par>
+    </p:tnLst>
+  </p:timing>
+</p:sld>
+</file>
+
+<file path=ppt/slides/slide11.xml><?xml version="1.0" encoding="utf-8"?>
+<p:sld xmlns:a="http://schemas.openxmlformats.org/drawingml/2006/main" xmlns:r="http://schemas.openxmlformats.org/officeDocument/2006/relationships" xmlns:p="http://schemas.openxmlformats.org/presentationml/2006/main">
+  <p:cSld>
+    <p:spTree>
+      <p:nvGrpSpPr>
+        <p:cNvPr id="1" name=""/>
+        <p:cNvGrpSpPr/>
+        <p:nvPr/>
+      </p:nvGrpSpPr>
+      <p:grpSpPr>
+        <a:xfrm>
+          <a:off x="0" y="0"/>
+          <a:ext cx="0" cy="0"/>
+          <a:chOff x="0" y="0"/>
+          <a:chExt cx="0" cy="0"/>
+        </a:xfrm>
+      </p:grpSpPr>
+      <p:sp>
+        <p:nvSpPr>
+          <p:cNvPr id="18" name="文本框 17"/>
+          <p:cNvSpPr txBox="1"/>
+          <p:nvPr/>
+        </p:nvSpPr>
+        <p:spPr>
+          <a:xfrm>
+            <a:off x="763436" y="498244"/>
+            <a:ext cx="4881580" cy="646331"/>
+          </a:xfrm>
+          <a:prstGeom prst="rect">
+            <a:avLst/>
+          </a:prstGeom>
+          <a:noFill/>
+        </p:spPr>
+        <p:txBody>
+          <a:bodyPr wrap="square" rtlCol="0">
+            <a:spAutoFit/>
+          </a:bodyPr>
+          <a:lstStyle/>
+          <a:p>
+            <a:r>
+              <a:rPr lang="zh-CN" altLang="en-US" sz="3600" dirty="0" smtClean="0">
+                <a:solidFill>
+                  <a:prstClr val="black">
+                    <a:lumMod val="50000"/>
+                    <a:lumOff val="50000"/>
+                  </a:prstClr>
+                </a:solidFill>
+                <a:latin typeface="微软雅黑" panose="020B0503020204020204" pitchFamily="34" charset="-122"/>
+                <a:ea typeface="微软雅黑" panose="020B0503020204020204" pitchFamily="34" charset="-122"/>
+              </a:rPr>
+              <a:t>变更所受影响的干系人</a:t>
+            </a:r>
+            <a:endParaRPr lang="zh-CN" altLang="en-US" sz="3600" dirty="0">
+              <a:solidFill>
+                <a:prstClr val="black">
+                  <a:lumMod val="50000"/>
+                  <a:lumOff val="50000"/>
+                </a:prstClr>
+              </a:solidFill>
+              <a:latin typeface="微软雅黑" panose="020B0503020204020204" pitchFamily="34" charset="-122"/>
+              <a:ea typeface="微软雅黑" panose="020B0503020204020204" pitchFamily="34" charset="-122"/>
+            </a:endParaRPr>
+          </a:p>
+        </p:txBody>
+      </p:sp>
+      <p:graphicFrame>
+        <p:nvGraphicFramePr>
+          <p:cNvPr id="2" name="表格 1"/>
+          <p:cNvGraphicFramePr>
+            <a:graphicFrameLocks noGrp="1"/>
+          </p:cNvGraphicFramePr>
+          <p:nvPr>
+            <p:extLst>
+              <p:ext uri="{D42A27DB-BD31-4B8C-83A1-F6EECF244321}">
+                <p14:modId xmlns:p14="http://schemas.microsoft.com/office/powerpoint/2010/main" val="3949309964"/>
+              </p:ext>
+            </p:extLst>
+          </p:nvPr>
+        </p:nvGraphicFramePr>
+        <p:xfrm>
+          <a:off x="1432560" y="1483364"/>
+          <a:ext cx="6969760" cy="4389120"/>
+        </p:xfrm>
+        <a:graphic>
+          <a:graphicData uri="http://schemas.openxmlformats.org/drawingml/2006/table">
+            <a:tbl>
+              <a:tblPr firstRow="1" firstCol="1" bandRow="1">
+                <a:tableStyleId>{5C22544A-7EE6-4342-B048-85BDC9FD1C3A}</a:tableStyleId>
+              </a:tblPr>
+              <a:tblGrid>
+                <a:gridCol w="1827906"/>
+                <a:gridCol w="5141854"/>
+              </a:tblGrid>
+              <a:tr h="438912">
+                <a:tc>
+                  <a:txBody>
+                    <a:bodyPr/>
+                    <a:lstStyle/>
+                    <a:p>
+                      <a:pPr algn="just">
+                        <a:spcAft>
+                          <a:spcPts val="0"/>
+                        </a:spcAft>
+                      </a:pPr>
+                      <a:r>
+                        <a:rPr lang="zh-CN" sz="2000" kern="100" dirty="0">
+                          <a:effectLst/>
+                        </a:rPr>
+                        <a:t>姓名</a:t>
+                      </a:r>
+                      <a:endParaRPr lang="zh-CN" sz="2000" kern="100" dirty="0">
+                        <a:effectLst/>
+                        <a:latin typeface="Calibri"/>
+                        <a:ea typeface="宋体"/>
+                        <a:cs typeface="Times New Roman"/>
+                      </a:endParaRPr>
+                    </a:p>
+                  </a:txBody>
+                  <a:tcPr marL="68580" marR="68580" marT="0" marB="0"/>
+                </a:tc>
+                <a:tc>
+                  <a:txBody>
+                    <a:bodyPr/>
+                    <a:lstStyle/>
+                    <a:p>
+                      <a:pPr algn="just">
+                        <a:spcAft>
+                          <a:spcPts val="0"/>
+                        </a:spcAft>
+                      </a:pPr>
+                      <a:r>
+                        <a:rPr lang="zh-CN" sz="2000" kern="100">
+                          <a:effectLst/>
+                        </a:rPr>
+                        <a:t>角色</a:t>
+                      </a:r>
+                      <a:endParaRPr lang="zh-CN" sz="2000" kern="100">
+                        <a:effectLst/>
+                        <a:latin typeface="Calibri"/>
+                        <a:ea typeface="宋体"/>
+                        <a:cs typeface="Times New Roman"/>
+                      </a:endParaRPr>
+                    </a:p>
+                  </a:txBody>
+                  <a:tcPr marL="68580" marR="68580" marT="0" marB="0"/>
+                </a:tc>
+              </a:tr>
+              <a:tr h="438912">
+                <a:tc>
+                  <a:txBody>
+                    <a:bodyPr/>
+                    <a:lstStyle/>
+                    <a:p>
+                      <a:pPr algn="just">
+                        <a:spcAft>
+                          <a:spcPts val="0"/>
+                        </a:spcAft>
+                      </a:pPr>
+                      <a:r>
+                        <a:rPr lang="zh-CN" sz="2000" kern="100" dirty="0">
+                          <a:effectLst/>
+                        </a:rPr>
+                        <a:t>杨枨</a:t>
+                      </a:r>
+                      <a:endParaRPr lang="zh-CN" sz="2000" kern="100" dirty="0">
+                        <a:effectLst/>
+                        <a:latin typeface="Calibri"/>
+                        <a:ea typeface="宋体"/>
+                        <a:cs typeface="Times New Roman"/>
+                      </a:endParaRPr>
+                    </a:p>
+                  </a:txBody>
+                  <a:tcPr marL="68580" marR="68580" marT="0" marB="0"/>
+                </a:tc>
+                <a:tc>
+                  <a:txBody>
+                    <a:bodyPr/>
+                    <a:lstStyle/>
+                    <a:p>
+                      <a:pPr algn="just">
+                        <a:spcAft>
+                          <a:spcPts val="0"/>
+                        </a:spcAft>
+                      </a:pPr>
+                      <a:r>
+                        <a:rPr lang="zh-CN" sz="2000" kern="100">
+                          <a:effectLst/>
+                        </a:rPr>
+                        <a:t>客户代表，教师用户代表</a:t>
+                      </a:r>
+                      <a:endParaRPr lang="zh-CN" sz="2000" kern="100">
+                        <a:effectLst/>
+                        <a:latin typeface="Calibri"/>
+                        <a:ea typeface="宋体"/>
+                        <a:cs typeface="Times New Roman"/>
+                      </a:endParaRPr>
+                    </a:p>
+                  </a:txBody>
+                  <a:tcPr marL="68580" marR="68580" marT="0" marB="0"/>
+                </a:tc>
+              </a:tr>
+              <a:tr h="438912">
+                <a:tc>
+                  <a:txBody>
+                    <a:bodyPr/>
+                    <a:lstStyle/>
+                    <a:p>
+                      <a:pPr algn="just">
+                        <a:spcAft>
+                          <a:spcPts val="0"/>
+                        </a:spcAft>
+                      </a:pPr>
+                      <a:r>
+                        <a:rPr lang="zh-CN" sz="2000" kern="100" dirty="0">
+                          <a:effectLst/>
+                        </a:rPr>
+                        <a:t>余敬</a:t>
+                      </a:r>
+                      <a:endParaRPr lang="zh-CN" sz="2000" kern="100" dirty="0">
+                        <a:effectLst/>
+                        <a:latin typeface="Calibri"/>
+                        <a:ea typeface="宋体"/>
+                        <a:cs typeface="Times New Roman"/>
+                      </a:endParaRPr>
+                    </a:p>
+                  </a:txBody>
+                  <a:tcPr marL="68580" marR="68580" marT="0" marB="0"/>
+                </a:tc>
+                <a:tc>
+                  <a:txBody>
+                    <a:bodyPr/>
+                    <a:lstStyle/>
+                    <a:p>
+                      <a:pPr algn="just">
+                        <a:spcAft>
+                          <a:spcPts val="0"/>
+                        </a:spcAft>
+                      </a:pPr>
+                      <a:r>
+                        <a:rPr lang="en-US" sz="2000" kern="100" dirty="0">
+                          <a:effectLst/>
+                        </a:rPr>
+                        <a:t>PRD-2016-G16</a:t>
+                      </a:r>
+                      <a:r>
+                        <a:rPr lang="zh-CN" sz="2000" kern="100" dirty="0">
+                          <a:effectLst/>
+                        </a:rPr>
+                        <a:t>小组成员</a:t>
+                      </a:r>
+                      <a:endParaRPr lang="zh-CN" sz="2000" kern="100" dirty="0">
+                        <a:effectLst/>
+                        <a:latin typeface="Calibri"/>
+                        <a:ea typeface="宋体"/>
+                        <a:cs typeface="Times New Roman"/>
+                      </a:endParaRPr>
+                    </a:p>
+                  </a:txBody>
+                  <a:tcPr marL="68580" marR="68580" marT="0" marB="0"/>
+                </a:tc>
+              </a:tr>
+              <a:tr h="438912">
+                <a:tc>
+                  <a:txBody>
+                    <a:bodyPr/>
+                    <a:lstStyle/>
+                    <a:p>
+                      <a:pPr algn="just">
+                        <a:spcAft>
+                          <a:spcPts val="0"/>
+                        </a:spcAft>
+                      </a:pPr>
+                      <a:r>
+                        <a:rPr lang="zh-CN" sz="2000" kern="100">
+                          <a:effectLst/>
+                        </a:rPr>
+                        <a:t>张伟鹏</a:t>
+                      </a:r>
+                      <a:endParaRPr lang="zh-CN" sz="2000" kern="100">
+                        <a:effectLst/>
+                        <a:latin typeface="Calibri"/>
+                        <a:ea typeface="宋体"/>
+                        <a:cs typeface="Times New Roman"/>
+                      </a:endParaRPr>
+                    </a:p>
+                  </a:txBody>
+                  <a:tcPr marL="68580" marR="68580" marT="0" marB="0"/>
+                </a:tc>
+                <a:tc>
+                  <a:txBody>
+                    <a:bodyPr/>
+                    <a:lstStyle/>
+                    <a:p>
+                      <a:pPr algn="just">
+                        <a:spcAft>
+                          <a:spcPts val="0"/>
+                        </a:spcAft>
+                      </a:pPr>
+                      <a:r>
+                        <a:rPr lang="en-US" sz="2000" kern="100" dirty="0">
+                          <a:effectLst/>
+                        </a:rPr>
+                        <a:t>PRD-2016-G16</a:t>
+                      </a:r>
+                      <a:r>
+                        <a:rPr lang="zh-CN" sz="2000" kern="100" dirty="0">
+                          <a:effectLst/>
+                        </a:rPr>
+                        <a:t>小组成员</a:t>
+                      </a:r>
+                      <a:endParaRPr lang="zh-CN" sz="2000" kern="100" dirty="0">
+                        <a:effectLst/>
+                        <a:latin typeface="Calibri"/>
+                        <a:ea typeface="宋体"/>
+                        <a:cs typeface="Times New Roman"/>
+                      </a:endParaRPr>
+                    </a:p>
+                  </a:txBody>
+                  <a:tcPr marL="68580" marR="68580" marT="0" marB="0"/>
+                </a:tc>
+              </a:tr>
+              <a:tr h="438912">
+                <a:tc>
+                  <a:txBody>
+                    <a:bodyPr/>
+                    <a:lstStyle/>
+                    <a:p>
+                      <a:pPr algn="just">
+                        <a:spcAft>
+                          <a:spcPts val="0"/>
+                        </a:spcAft>
+                      </a:pPr>
+                      <a:r>
+                        <a:rPr lang="zh-CN" sz="2000" kern="100">
+                          <a:effectLst/>
+                        </a:rPr>
+                        <a:t>唐子煜</a:t>
+                      </a:r>
+                      <a:endParaRPr lang="zh-CN" sz="2000" kern="100">
+                        <a:effectLst/>
+                        <a:latin typeface="Calibri"/>
+                        <a:ea typeface="宋体"/>
+                        <a:cs typeface="Times New Roman"/>
+                      </a:endParaRPr>
+                    </a:p>
+                  </a:txBody>
+                  <a:tcPr marL="68580" marR="68580" marT="0" marB="0"/>
+                </a:tc>
+                <a:tc>
+                  <a:txBody>
+                    <a:bodyPr/>
+                    <a:lstStyle/>
+                    <a:p>
+                      <a:pPr algn="just">
+                        <a:spcAft>
+                          <a:spcPts val="0"/>
+                        </a:spcAft>
+                      </a:pPr>
+                      <a:r>
+                        <a:rPr lang="en-US" sz="2000" kern="100" dirty="0">
+                          <a:effectLst/>
+                        </a:rPr>
+                        <a:t>PRD-2016-G16</a:t>
+                      </a:r>
+                      <a:r>
+                        <a:rPr lang="zh-CN" sz="2000" kern="100" dirty="0">
+                          <a:effectLst/>
+                        </a:rPr>
+                        <a:t>小组成员</a:t>
+                      </a:r>
+                      <a:endParaRPr lang="zh-CN" sz="2000" kern="100" dirty="0">
+                        <a:effectLst/>
+                        <a:latin typeface="Calibri"/>
+                        <a:ea typeface="宋体"/>
+                        <a:cs typeface="Times New Roman"/>
+                      </a:endParaRPr>
+                    </a:p>
+                  </a:txBody>
+                  <a:tcPr marL="68580" marR="68580" marT="0" marB="0"/>
+                </a:tc>
+              </a:tr>
+              <a:tr h="438912">
+                <a:tc>
+                  <a:txBody>
+                    <a:bodyPr/>
+                    <a:lstStyle/>
+                    <a:p>
+                      <a:pPr algn="just">
+                        <a:spcAft>
+                          <a:spcPts val="0"/>
+                        </a:spcAft>
+                      </a:pPr>
+                      <a:r>
+                        <a:rPr lang="zh-CN" sz="2000" kern="100">
+                          <a:effectLst/>
+                        </a:rPr>
+                        <a:t>丁磊</a:t>
+                      </a:r>
+                      <a:endParaRPr lang="zh-CN" sz="2000" kern="100">
+                        <a:effectLst/>
+                        <a:latin typeface="Calibri"/>
+                        <a:ea typeface="宋体"/>
+                        <a:cs typeface="Times New Roman"/>
+                      </a:endParaRPr>
+                    </a:p>
+                  </a:txBody>
+                  <a:tcPr marL="68580" marR="68580" marT="0" marB="0"/>
+                </a:tc>
+                <a:tc>
+                  <a:txBody>
+                    <a:bodyPr/>
+                    <a:lstStyle/>
+                    <a:p>
+                      <a:pPr algn="just">
+                        <a:spcAft>
+                          <a:spcPts val="0"/>
+                        </a:spcAft>
+                      </a:pPr>
+                      <a:r>
+                        <a:rPr lang="en-US" sz="2000" kern="100" dirty="0">
+                          <a:effectLst/>
+                        </a:rPr>
+                        <a:t>PRD-2016-G16</a:t>
+                      </a:r>
+                      <a:r>
+                        <a:rPr lang="zh-CN" sz="2000" kern="100" dirty="0">
+                          <a:effectLst/>
+                        </a:rPr>
+                        <a:t>小组成员</a:t>
+                      </a:r>
+                      <a:endParaRPr lang="zh-CN" sz="2000" kern="100" dirty="0">
+                        <a:effectLst/>
+                        <a:latin typeface="Calibri"/>
+                        <a:ea typeface="宋体"/>
+                        <a:cs typeface="Times New Roman"/>
+                      </a:endParaRPr>
+                    </a:p>
+                  </a:txBody>
+                  <a:tcPr marL="68580" marR="68580" marT="0" marB="0"/>
+                </a:tc>
+              </a:tr>
+              <a:tr h="438912">
+                <a:tc>
+                  <a:txBody>
+                    <a:bodyPr/>
+                    <a:lstStyle/>
+                    <a:p>
+                      <a:pPr algn="just">
+                        <a:spcAft>
+                          <a:spcPts val="0"/>
+                        </a:spcAft>
+                      </a:pPr>
+                      <a:r>
+                        <a:rPr lang="zh-CN" sz="2000" kern="100">
+                          <a:effectLst/>
+                        </a:rPr>
+                        <a:t>陈建伟</a:t>
+                      </a:r>
+                      <a:endParaRPr lang="zh-CN" sz="2000" kern="100">
+                        <a:effectLst/>
+                        <a:latin typeface="Calibri"/>
+                        <a:ea typeface="宋体"/>
+                        <a:cs typeface="Times New Roman"/>
+                      </a:endParaRPr>
+                    </a:p>
+                  </a:txBody>
+                  <a:tcPr marL="68580" marR="68580" marT="0" marB="0"/>
+                </a:tc>
+                <a:tc>
+                  <a:txBody>
+                    <a:bodyPr/>
+                    <a:lstStyle/>
+                    <a:p>
+                      <a:pPr algn="just">
+                        <a:spcAft>
+                          <a:spcPts val="0"/>
+                        </a:spcAft>
+                      </a:pPr>
+                      <a:r>
+                        <a:rPr lang="en-US" sz="2000" kern="100" dirty="0">
+                          <a:effectLst/>
+                        </a:rPr>
+                        <a:t>PRD-2016-G16</a:t>
+                      </a:r>
+                      <a:r>
+                        <a:rPr lang="zh-CN" sz="2000" kern="100" dirty="0">
+                          <a:effectLst/>
+                        </a:rPr>
+                        <a:t>小组成员</a:t>
+                      </a:r>
+                      <a:endParaRPr lang="zh-CN" sz="2000" kern="100" dirty="0">
+                        <a:effectLst/>
+                        <a:latin typeface="Calibri"/>
+                        <a:ea typeface="宋体"/>
+                        <a:cs typeface="Times New Roman"/>
+                      </a:endParaRPr>
+                    </a:p>
+                  </a:txBody>
+                  <a:tcPr marL="68580" marR="68580" marT="0" marB="0"/>
+                </a:tc>
+              </a:tr>
+              <a:tr h="438912">
+                <a:tc>
+                  <a:txBody>
+                    <a:bodyPr/>
+                    <a:lstStyle/>
+                    <a:p>
+                      <a:pPr algn="just">
+                        <a:spcAft>
+                          <a:spcPts val="0"/>
+                        </a:spcAft>
+                      </a:pPr>
+                      <a:r>
+                        <a:rPr lang="zh-CN" sz="2000" kern="100">
+                          <a:effectLst/>
+                        </a:rPr>
+                        <a:t>伍超尘</a:t>
+                      </a:r>
+                      <a:endParaRPr lang="zh-CN" sz="2000" kern="100">
+                        <a:effectLst/>
+                        <a:latin typeface="Calibri"/>
+                        <a:ea typeface="宋体"/>
+                        <a:cs typeface="Times New Roman"/>
+                      </a:endParaRPr>
+                    </a:p>
+                  </a:txBody>
+                  <a:tcPr marL="68580" marR="68580" marT="0" marB="0"/>
+                </a:tc>
+                <a:tc>
+                  <a:txBody>
+                    <a:bodyPr/>
+                    <a:lstStyle/>
+                    <a:p>
+                      <a:pPr algn="just">
+                        <a:spcAft>
+                          <a:spcPts val="0"/>
+                        </a:spcAft>
+                      </a:pPr>
+                      <a:r>
+                        <a:rPr lang="zh-CN" sz="2000" kern="100" dirty="0">
+                          <a:effectLst/>
+                        </a:rPr>
+                        <a:t>开发人员代表</a:t>
+                      </a:r>
+                      <a:endParaRPr lang="zh-CN" sz="2000" kern="100" dirty="0">
+                        <a:effectLst/>
+                        <a:latin typeface="Calibri"/>
+                        <a:ea typeface="宋体"/>
+                        <a:cs typeface="Times New Roman"/>
+                      </a:endParaRPr>
+                    </a:p>
+                  </a:txBody>
+                  <a:tcPr marL="68580" marR="68580" marT="0" marB="0"/>
+                </a:tc>
+              </a:tr>
+              <a:tr h="438912">
+                <a:tc>
+                  <a:txBody>
+                    <a:bodyPr/>
+                    <a:lstStyle/>
+                    <a:p>
+                      <a:pPr algn="just">
+                        <a:spcAft>
+                          <a:spcPts val="0"/>
+                        </a:spcAft>
+                      </a:pPr>
+                      <a:r>
+                        <a:rPr lang="zh-CN" sz="2000" kern="100">
+                          <a:effectLst/>
+                        </a:rPr>
+                        <a:t>李泽龙</a:t>
+                      </a:r>
+                      <a:endParaRPr lang="zh-CN" sz="2000" kern="100">
+                        <a:effectLst/>
+                        <a:latin typeface="Calibri"/>
+                        <a:ea typeface="宋体"/>
+                        <a:cs typeface="Times New Roman"/>
+                      </a:endParaRPr>
+                    </a:p>
+                  </a:txBody>
+                  <a:tcPr marL="68580" marR="68580" marT="0" marB="0"/>
+                </a:tc>
+                <a:tc>
+                  <a:txBody>
+                    <a:bodyPr/>
+                    <a:lstStyle/>
+                    <a:p>
+                      <a:pPr algn="just">
+                        <a:spcAft>
+                          <a:spcPts val="0"/>
+                        </a:spcAft>
+                      </a:pPr>
+                      <a:r>
+                        <a:rPr lang="zh-CN" sz="2000" kern="100" dirty="0">
+                          <a:effectLst/>
+                        </a:rPr>
+                        <a:t>管理员用户代表</a:t>
+                      </a:r>
+                      <a:endParaRPr lang="zh-CN" sz="2000" kern="100" dirty="0">
+                        <a:effectLst/>
+                        <a:latin typeface="Calibri"/>
+                        <a:ea typeface="宋体"/>
+                        <a:cs typeface="Times New Roman"/>
+                      </a:endParaRPr>
+                    </a:p>
+                  </a:txBody>
+                  <a:tcPr marL="68580" marR="68580" marT="0" marB="0"/>
+                </a:tc>
+              </a:tr>
+              <a:tr h="438912">
+                <a:tc>
+                  <a:txBody>
+                    <a:bodyPr/>
+                    <a:lstStyle/>
+                    <a:p>
+                      <a:pPr algn="just">
+                        <a:spcAft>
+                          <a:spcPts val="0"/>
+                        </a:spcAft>
+                      </a:pPr>
+                      <a:r>
+                        <a:rPr lang="zh-CN" sz="2000" kern="100">
+                          <a:effectLst/>
+                        </a:rPr>
+                        <a:t>陈家俊</a:t>
+                      </a:r>
+                      <a:endParaRPr lang="zh-CN" sz="2000" kern="100">
+                        <a:effectLst/>
+                        <a:latin typeface="Calibri"/>
+                        <a:ea typeface="宋体"/>
+                        <a:cs typeface="Times New Roman"/>
+                      </a:endParaRPr>
+                    </a:p>
+                  </a:txBody>
+                  <a:tcPr marL="68580" marR="68580" marT="0" marB="0"/>
+                </a:tc>
+                <a:tc>
+                  <a:txBody>
+                    <a:bodyPr/>
+                    <a:lstStyle/>
+                    <a:p>
+                      <a:pPr algn="just">
+                        <a:spcAft>
+                          <a:spcPts val="0"/>
+                        </a:spcAft>
+                      </a:pPr>
+                      <a:r>
+                        <a:rPr lang="zh-CN" sz="2000" kern="100" dirty="0">
+                          <a:effectLst/>
+                        </a:rPr>
+                        <a:t>学生用户代表</a:t>
+                      </a:r>
+                      <a:endParaRPr lang="zh-CN" sz="2000" kern="100" dirty="0">
+                        <a:effectLst/>
+                        <a:latin typeface="Calibri"/>
+                        <a:ea typeface="宋体"/>
+                        <a:cs typeface="Times New Roman"/>
+                      </a:endParaRPr>
+                    </a:p>
+                  </a:txBody>
+                  <a:tcPr marL="68580" marR="68580" marT="0" marB="0"/>
+                </a:tc>
+              </a:tr>
+            </a:tbl>
+          </a:graphicData>
+        </a:graphic>
+      </p:graphicFrame>
+    </p:spTree>
+    <p:extLst>
+      <p:ext uri="{BB962C8B-B14F-4D97-AF65-F5344CB8AC3E}">
+        <p14:creationId xmlns:p14="http://schemas.microsoft.com/office/powerpoint/2010/main" val="4192342761"/>
+      </p:ext>
+    </p:extLst>
+  </p:cSld>
+  <p:clrMapOvr>
+    <a:masterClrMapping/>
+  </p:clrMapOvr>
+  <p:transition spd="slow">
+    <p:fade/>
+  </p:transition>
+  <p:timing>
+    <p:tnLst>
+      <p:par>
+        <p:cTn id="1" dur="indefinite" restart="never" nodeType="tmRoot"/>
+      </p:par>
+    </p:tnLst>
+  </p:timing>
+</p:sld>
+</file>
+
+<file path=ppt/slides/slide12.xml><?xml version="1.0" encoding="utf-8"?>
+<p:sld xmlns:a="http://schemas.openxmlformats.org/drawingml/2006/main" xmlns:r="http://schemas.openxmlformats.org/officeDocument/2006/relationships" xmlns:p="http://schemas.openxmlformats.org/presentationml/2006/main">
+  <p:cSld>
+    <p:spTree>
+      <p:nvGrpSpPr>
+        <p:cNvPr id="1" name=""/>
+        <p:cNvGrpSpPr/>
+        <p:nvPr/>
+      </p:nvGrpSpPr>
+      <p:grpSpPr>
+        <a:xfrm>
+          <a:off x="0" y="0"/>
+          <a:ext cx="0" cy="0"/>
+          <a:chOff x="0" y="0"/>
+          <a:chExt cx="0" cy="0"/>
+        </a:xfrm>
+      </p:grpSpPr>
+      <p:sp>
+        <p:nvSpPr>
+          <p:cNvPr id="18" name="文本框 17"/>
+          <p:cNvSpPr txBox="1"/>
+          <p:nvPr/>
+        </p:nvSpPr>
+        <p:spPr>
+          <a:xfrm>
+            <a:off x="763436" y="498244"/>
+            <a:ext cx="4881580" cy="646331"/>
+          </a:xfrm>
+          <a:prstGeom prst="rect">
+            <a:avLst/>
+          </a:prstGeom>
+          <a:noFill/>
+        </p:spPr>
+        <p:txBody>
+          <a:bodyPr wrap="square" rtlCol="0">
+            <a:spAutoFit/>
+          </a:bodyPr>
+          <a:lstStyle/>
+          <a:p>
+            <a:r>
+              <a:rPr lang="zh-CN" altLang="en-US" sz="3600" dirty="0" smtClean="0">
+                <a:solidFill>
+                  <a:prstClr val="black">
+                    <a:lumMod val="50000"/>
+                    <a:lumOff val="50000"/>
+                  </a:prstClr>
+                </a:solidFill>
+                <a:latin typeface="微软雅黑" panose="020B0503020204020204" pitchFamily="34" charset="-122"/>
+                <a:ea typeface="微软雅黑" panose="020B0503020204020204" pitchFamily="34" charset="-122"/>
+              </a:rPr>
               <a:t>参考文献</a:t>
             </a:r>
             <a:endParaRPr lang="zh-CN" altLang="en-US" sz="3600" dirty="0">
@@ -4294,7 +5766,7 @@
 </p:sld>
 </file>
 
-<file path=ppt/slides/slide11.xml><?xml version="1.0" encoding="utf-8"?>
+<file path=ppt/slides/slide13.xml><?xml version="1.0" encoding="utf-8"?>
 <p:sld xmlns:a="http://schemas.openxmlformats.org/drawingml/2006/main" xmlns:r="http://schemas.openxmlformats.org/officeDocument/2006/relationships" xmlns:p="http://schemas.openxmlformats.org/presentationml/2006/main">
   <p:cSld>
     <p:spTree>
@@ -4346,16 +5818,6 @@
               </a:rPr>
               <a:t>小组分工</a:t>
             </a:r>
-            <a:endParaRPr lang="zh-CN" altLang="en-US" sz="3600" dirty="0">
-              <a:solidFill>
-                <a:prstClr val="black">
-                  <a:lumMod val="50000"/>
-                  <a:lumOff val="50000"/>
-                </a:prstClr>
-              </a:solidFill>
-              <a:latin typeface="微软雅黑" panose="020B0503020204020204" pitchFamily="34" charset="-122"/>
-              <a:ea typeface="微软雅黑" panose="020B0503020204020204" pitchFamily="34" charset="-122"/>
-            </a:endParaRPr>
           </a:p>
         </p:txBody>
       </p:sp>
@@ -4449,7 +5911,7 @@
 </p:sld>
 </file>
 
-<file path=ppt/slides/slide12.xml><?xml version="1.0" encoding="utf-8"?>
+<file path=ppt/slides/slide14.xml><?xml version="1.0" encoding="utf-8"?>
 <p:sld xmlns:a="http://schemas.openxmlformats.org/drawingml/2006/main" xmlns:r="http://schemas.openxmlformats.org/officeDocument/2006/relationships" xmlns:p="http://schemas.openxmlformats.org/presentationml/2006/main">
   <p:cSld>
     <p:spTree>
@@ -6335,15 +7797,6 @@
               </a:rPr>
               <a:t>提高软件工程教学辅助网站的计划性、可视性和执行力。</a:t>
             </a:r>
-            <a:endParaRPr lang="zh-CN" altLang="en-US" sz="1600" dirty="0">
-              <a:solidFill>
-                <a:srgbClr val="E7E6E6">
-                  <a:lumMod val="50000"/>
-                </a:srgbClr>
-              </a:solidFill>
-              <a:latin typeface="微软雅黑" panose="020B0503020204020204" pitchFamily="34" charset="-122"/>
-              <a:ea typeface="微软雅黑" panose="020B0503020204020204" pitchFamily="34" charset="-122"/>
-            </a:endParaRPr>
           </a:p>
         </p:txBody>
       </p:sp>
@@ -6378,13 +7831,6 @@
               </a:rPr>
               <a:t>武超尘</a:t>
             </a:r>
-            <a:endParaRPr lang="zh-CN" altLang="en-US" sz="2000" dirty="0">
-              <a:solidFill>
-                <a:srgbClr val="7E7E7E"/>
-              </a:solidFill>
-              <a:latin typeface="微软雅黑" panose="020B0503020204020204" pitchFamily="34" charset="-122"/>
-              <a:ea typeface="微软雅黑" panose="020B0503020204020204" pitchFamily="34" charset="-122"/>
-            </a:endParaRPr>
           </a:p>
         </p:txBody>
       </p:sp>
@@ -6995,13 +8441,6 @@
               </a:rPr>
               <a:t>余敬</a:t>
             </a:r>
-            <a:endParaRPr lang="zh-CN" altLang="en-US" sz="2000" dirty="0">
-              <a:solidFill>
-                <a:srgbClr val="7E7E7E"/>
-              </a:solidFill>
-              <a:latin typeface="微软雅黑" panose="020B0503020204020204" pitchFamily="34" charset="-122"/>
-              <a:ea typeface="微软雅黑" panose="020B0503020204020204" pitchFamily="34" charset="-122"/>
-            </a:endParaRPr>
           </a:p>
         </p:txBody>
       </p:sp>
@@ -7036,13 +8475,6 @@
               </a:rPr>
               <a:t>秦涛</a:t>
             </a:r>
-            <a:endParaRPr lang="zh-CN" altLang="en-US" sz="2000" dirty="0">
-              <a:solidFill>
-                <a:srgbClr val="7E7E7E"/>
-              </a:solidFill>
-              <a:latin typeface="微软雅黑" panose="020B0503020204020204" pitchFamily="34" charset="-122"/>
-              <a:ea typeface="微软雅黑" panose="020B0503020204020204" pitchFamily="34" charset="-122"/>
-            </a:endParaRPr>
           </a:p>
         </p:txBody>
       </p:sp>
@@ -7210,13 +8642,6 @@
               </a:rPr>
               <a:t>成员</a:t>
             </a:r>
-            <a:endParaRPr lang="zh-CN" altLang="en-US" sz="2000" dirty="0">
-              <a:solidFill>
-                <a:srgbClr val="7E7E7E"/>
-              </a:solidFill>
-              <a:latin typeface="微软雅黑" panose="020B0503020204020204" pitchFamily="34" charset="-122"/>
-              <a:ea typeface="微软雅黑" panose="020B0503020204020204" pitchFamily="34" charset="-122"/>
-            </a:endParaRPr>
           </a:p>
         </p:txBody>
       </p:sp>
@@ -7802,15 +9227,6 @@
               </a:rPr>
               <a:t>职责</a:t>
             </a:r>
-            <a:endParaRPr lang="zh-CN" altLang="en-US" sz="3600" dirty="0">
-              <a:solidFill>
-                <a:srgbClr val="E7E6E6">
-                  <a:lumMod val="50000"/>
-                </a:srgbClr>
-              </a:solidFill>
-              <a:latin typeface="微软雅黑" panose="020B0503020204020204" pitchFamily="34" charset="-122"/>
-              <a:ea typeface="微软雅黑" panose="020B0503020204020204" pitchFamily="34" charset="-122"/>
-            </a:endParaRPr>
           </a:p>
         </p:txBody>
       </p:sp>
@@ -12790,7 +14206,7 @@
           <a:graphicData uri="http://schemas.openxmlformats.org/presentationml/2006/ole">
             <mc:AlternateContent xmlns:mc="http://schemas.openxmlformats.org/markup-compatibility/2006">
               <mc:Choice xmlns:v="urn:schemas-microsoft-com:vml" Requires="v">
-                <p:oleObj spid="_x0000_s1034" name="Visio" r:id="rId3" imgW="7242264" imgH="10325846" progId="Visio.Drawing.15">
+                <p:oleObj spid="_x0000_s1037" name="Visio" r:id="rId3" imgW="7242264" imgH="10325846" progId="Visio.Drawing.15">
                   <p:embed/>
                 </p:oleObj>
               </mc:Choice>
@@ -13478,13 +14894,6 @@
               </a:rPr>
               <a:t>通过需求管理软件的分析，改变论坛上传资料的功能，会对用户查看该论坛的普通帖子精华帖子产生影响，论坛的发帖，回帖，用户下载论坛资料会受到影响</a:t>
             </a:r>
-            <a:endParaRPr lang="zh-CN" altLang="en-US" sz="1600" dirty="0">
-              <a:solidFill>
-                <a:srgbClr val="7E7E7E"/>
-              </a:solidFill>
-              <a:latin typeface="微软雅黑" panose="020B0503020204020204" pitchFamily="34" charset="-122"/>
-              <a:ea typeface="微软雅黑" panose="020B0503020204020204" pitchFamily="34" charset="-122"/>
-            </a:endParaRPr>
           </a:p>
         </p:txBody>
       </p:sp>
@@ -13544,13 +14953,6 @@
               </a:rPr>
               <a:t>主席</a:t>
             </a:r>
-            <a:endParaRPr lang="zh-CN" altLang="en-US" sz="1600" dirty="0">
-              <a:solidFill>
-                <a:srgbClr val="7E7E7E"/>
-              </a:solidFill>
-              <a:latin typeface="微软雅黑" panose="020B0503020204020204" pitchFamily="34" charset="-122"/>
-              <a:ea typeface="微软雅黑" panose="020B0503020204020204" pitchFamily="34" charset="-122"/>
-            </a:endParaRPr>
           </a:p>
         </p:txBody>
       </p:sp>
@@ -13608,7 +15010,17 @@
                 <a:latin typeface="微软雅黑" panose="020B0503020204020204" pitchFamily="34" charset="-122"/>
                 <a:ea typeface="微软雅黑" panose="020B0503020204020204" pitchFamily="34" charset="-122"/>
               </a:rPr>
-              <a:t>资料用例场景描述，测试用例，对话框图</a:t>
+              <a:t>资料用例场景描述，测试用例，对话框</a:t>
+            </a:r>
+            <a:r>
+              <a:rPr lang="zh-CN" altLang="en-US" sz="1600" dirty="0" smtClean="0">
+                <a:solidFill>
+                  <a:srgbClr val="7E7E7E"/>
+                </a:solidFill>
+                <a:latin typeface="微软雅黑" panose="020B0503020204020204" pitchFamily="34" charset="-122"/>
+                <a:ea typeface="微软雅黑" panose="020B0503020204020204" pitchFamily="34" charset="-122"/>
+              </a:rPr>
+              <a:t>图，用户手册</a:t>
             </a:r>
             <a:endParaRPr lang="zh-CN" altLang="en-US" sz="1600" dirty="0">
               <a:solidFill>
@@ -13699,10 +15111,6 @@
               </a:rPr>
               <a:t>审核</a:t>
             </a:r>
-            <a:endParaRPr lang="zh-CN" altLang="en-US" sz="2000" b="1" dirty="0">
-              <a:latin typeface="微软雅黑" panose="020B0503020204020204" pitchFamily="34" charset="-122"/>
-              <a:ea typeface="微软雅黑" panose="020B0503020204020204" pitchFamily="34" charset="-122"/>
-            </a:endParaRPr>
           </a:p>
         </p:txBody>
       </p:sp>
@@ -13765,6 +15173,523 @@
 </file>
 
 <file path=ppt/slides/slide7.xml><?xml version="1.0" encoding="utf-8"?>
+<p:sld xmlns:a="http://schemas.openxmlformats.org/drawingml/2006/main" xmlns:r="http://schemas.openxmlformats.org/officeDocument/2006/relationships" xmlns:p="http://schemas.openxmlformats.org/presentationml/2006/main">
+  <p:cSld>
+    <p:spTree>
+      <p:nvGrpSpPr>
+        <p:cNvPr id="1" name=""/>
+        <p:cNvGrpSpPr/>
+        <p:nvPr/>
+      </p:nvGrpSpPr>
+      <p:grpSpPr>
+        <a:xfrm>
+          <a:off x="0" y="0"/>
+          <a:ext cx="0" cy="0"/>
+          <a:chOff x="0" y="0"/>
+          <a:chExt cx="0" cy="0"/>
+        </a:xfrm>
+      </p:grpSpPr>
+      <p:sp>
+        <p:nvSpPr>
+          <p:cNvPr id="18" name="矩形 17"/>
+          <p:cNvSpPr/>
+          <p:nvPr/>
+        </p:nvSpPr>
+        <p:spPr>
+          <a:xfrm>
+            <a:off x="-4915" y="1772574"/>
+            <a:ext cx="12192000" cy="2643651"/>
+          </a:xfrm>
+          <a:prstGeom prst="rect">
+            <a:avLst/>
+          </a:prstGeom>
+          <a:solidFill>
+            <a:srgbClr val="F2F2F2"/>
+          </a:solidFill>
+          <a:ln>
+            <a:noFill/>
+          </a:ln>
+        </p:spPr>
+        <p:style>
+          <a:lnRef idx="2">
+            <a:schemeClr val="accent1">
+              <a:shade val="50000"/>
+            </a:schemeClr>
+          </a:lnRef>
+          <a:fillRef idx="1">
+            <a:schemeClr val="accent1"/>
+          </a:fillRef>
+          <a:effectRef idx="0">
+            <a:schemeClr val="accent1"/>
+          </a:effectRef>
+          <a:fontRef idx="minor">
+            <a:schemeClr val="lt1"/>
+          </a:fontRef>
+        </p:style>
+        <p:txBody>
+          <a:bodyPr rtlCol="0" anchor="ctr"/>
+          <a:lstStyle/>
+          <a:p>
+            <a:pPr algn="ctr"/>
+            <a:endParaRPr lang="zh-CN" altLang="en-US" sz="1600">
+              <a:solidFill>
+                <a:prstClr val="white"/>
+              </a:solidFill>
+            </a:endParaRPr>
+          </a:p>
+        </p:txBody>
+      </p:sp>
+      <p:sp>
+        <p:nvSpPr>
+          <p:cNvPr id="4" name="五角星 3"/>
+          <p:cNvSpPr/>
+          <p:nvPr/>
+        </p:nvSpPr>
+        <p:spPr>
+          <a:xfrm>
+            <a:off x="3830332" y="2251293"/>
+            <a:ext cx="1838623" cy="1838619"/>
+          </a:xfrm>
+          <a:prstGeom prst="star5">
+            <a:avLst>
+              <a:gd name="adj" fmla="val 36401"/>
+              <a:gd name="hf" fmla="val 105146"/>
+              <a:gd name="vf" fmla="val 110557"/>
+            </a:avLst>
+          </a:prstGeom>
+          <a:solidFill>
+            <a:srgbClr val="FD3E60"/>
+          </a:solidFill>
+          <a:ln>
+            <a:noFill/>
+          </a:ln>
+        </p:spPr>
+        <p:style>
+          <a:lnRef idx="2">
+            <a:schemeClr val="accent1">
+              <a:shade val="50000"/>
+            </a:schemeClr>
+          </a:lnRef>
+          <a:fillRef idx="1">
+            <a:schemeClr val="accent1"/>
+          </a:fillRef>
+          <a:effectRef idx="0">
+            <a:schemeClr val="accent1"/>
+          </a:effectRef>
+          <a:fontRef idx="minor">
+            <a:schemeClr val="lt1"/>
+          </a:fontRef>
+        </p:style>
+        <p:txBody>
+          <a:bodyPr rtlCol="0" anchor="ctr"/>
+          <a:lstStyle/>
+          <a:p>
+            <a:pPr algn="ctr"/>
+            <a:endParaRPr lang="zh-CN" altLang="en-US">
+              <a:solidFill>
+                <a:srgbClr val="E7E6E6">
+                  <a:lumMod val="50000"/>
+                </a:srgbClr>
+              </a:solidFill>
+            </a:endParaRPr>
+          </a:p>
+        </p:txBody>
+      </p:sp>
+      <p:sp>
+        <p:nvSpPr>
+          <p:cNvPr id="10" name="五角星 9"/>
+          <p:cNvSpPr/>
+          <p:nvPr/>
+        </p:nvSpPr>
+        <p:spPr>
+          <a:xfrm>
+            <a:off x="6556062" y="2251289"/>
+            <a:ext cx="1838623" cy="1838623"/>
+          </a:xfrm>
+          <a:prstGeom prst="star5">
+            <a:avLst>
+              <a:gd name="adj" fmla="val 36401"/>
+              <a:gd name="hf" fmla="val 105146"/>
+              <a:gd name="vf" fmla="val 110557"/>
+            </a:avLst>
+          </a:prstGeom>
+          <a:solidFill>
+            <a:srgbClr val="018D9D"/>
+          </a:solidFill>
+          <a:ln>
+            <a:noFill/>
+          </a:ln>
+        </p:spPr>
+        <p:style>
+          <a:lnRef idx="2">
+            <a:schemeClr val="accent1">
+              <a:shade val="50000"/>
+            </a:schemeClr>
+          </a:lnRef>
+          <a:fillRef idx="1">
+            <a:schemeClr val="accent1"/>
+          </a:fillRef>
+          <a:effectRef idx="0">
+            <a:schemeClr val="accent1"/>
+          </a:effectRef>
+          <a:fontRef idx="minor">
+            <a:schemeClr val="lt1"/>
+          </a:fontRef>
+        </p:style>
+        <p:txBody>
+          <a:bodyPr rtlCol="0" anchor="ctr"/>
+          <a:lstStyle/>
+          <a:p>
+            <a:pPr algn="ctr"/>
+            <a:endParaRPr lang="zh-CN" altLang="en-US">
+              <a:solidFill>
+                <a:srgbClr val="E7E6E6">
+                  <a:lumMod val="50000"/>
+                </a:srgbClr>
+              </a:solidFill>
+            </a:endParaRPr>
+          </a:p>
+        </p:txBody>
+      </p:sp>
+      <p:sp>
+        <p:nvSpPr>
+          <p:cNvPr id="20" name="右箭头 19"/>
+          <p:cNvSpPr/>
+          <p:nvPr/>
+        </p:nvSpPr>
+        <p:spPr>
+          <a:xfrm>
+            <a:off x="3204226" y="3025457"/>
+            <a:ext cx="365103" cy="290286"/>
+          </a:xfrm>
+          <a:prstGeom prst="rightArrow">
+            <a:avLst>
+              <a:gd name="adj1" fmla="val 50000"/>
+              <a:gd name="adj2" fmla="val 55250"/>
+            </a:avLst>
+          </a:prstGeom>
+          <a:solidFill>
+            <a:srgbClr val="BEBEBE"/>
+          </a:solidFill>
+          <a:ln>
+            <a:noFill/>
+          </a:ln>
+        </p:spPr>
+        <p:style>
+          <a:lnRef idx="2">
+            <a:schemeClr val="accent1">
+              <a:shade val="50000"/>
+            </a:schemeClr>
+          </a:lnRef>
+          <a:fillRef idx="1">
+            <a:schemeClr val="accent1"/>
+          </a:fillRef>
+          <a:effectRef idx="0">
+            <a:schemeClr val="accent1"/>
+          </a:effectRef>
+          <a:fontRef idx="minor">
+            <a:schemeClr val="lt1"/>
+          </a:fontRef>
+        </p:style>
+        <p:txBody>
+          <a:bodyPr rtlCol="0" anchor="ctr"/>
+          <a:lstStyle/>
+          <a:p>
+            <a:pPr algn="ctr"/>
+            <a:endParaRPr lang="zh-CN" altLang="en-US">
+              <a:solidFill>
+                <a:prstClr val="white"/>
+              </a:solidFill>
+            </a:endParaRPr>
+          </a:p>
+        </p:txBody>
+      </p:sp>
+      <p:sp>
+        <p:nvSpPr>
+          <p:cNvPr id="21" name="右箭头 20"/>
+          <p:cNvSpPr/>
+          <p:nvPr/>
+        </p:nvSpPr>
+        <p:spPr>
+          <a:xfrm>
+            <a:off x="5913448" y="3025457"/>
+            <a:ext cx="365103" cy="290286"/>
+          </a:xfrm>
+          <a:prstGeom prst="rightArrow">
+            <a:avLst>
+              <a:gd name="adj1" fmla="val 50000"/>
+              <a:gd name="adj2" fmla="val 55250"/>
+            </a:avLst>
+          </a:prstGeom>
+          <a:solidFill>
+            <a:srgbClr val="BEBEBE"/>
+          </a:solidFill>
+          <a:ln>
+            <a:noFill/>
+          </a:ln>
+        </p:spPr>
+        <p:style>
+          <a:lnRef idx="2">
+            <a:schemeClr val="accent1">
+              <a:shade val="50000"/>
+            </a:schemeClr>
+          </a:lnRef>
+          <a:fillRef idx="1">
+            <a:schemeClr val="accent1"/>
+          </a:fillRef>
+          <a:effectRef idx="0">
+            <a:schemeClr val="accent1"/>
+          </a:effectRef>
+          <a:fontRef idx="minor">
+            <a:schemeClr val="lt1"/>
+          </a:fontRef>
+        </p:style>
+        <p:txBody>
+          <a:bodyPr rtlCol="0" anchor="ctr"/>
+          <a:lstStyle/>
+          <a:p>
+            <a:pPr algn="ctr"/>
+            <a:endParaRPr lang="zh-CN" altLang="en-US">
+              <a:solidFill>
+                <a:prstClr val="white"/>
+              </a:solidFill>
+            </a:endParaRPr>
+          </a:p>
+        </p:txBody>
+      </p:sp>
+      <p:sp>
+        <p:nvSpPr>
+          <p:cNvPr id="25" name="矩形 24"/>
+          <p:cNvSpPr/>
+          <p:nvPr/>
+        </p:nvSpPr>
+        <p:spPr>
+          <a:xfrm>
+            <a:off x="3952241" y="3025457"/>
+            <a:ext cx="1716714" cy="707886"/>
+          </a:xfrm>
+          <a:prstGeom prst="rect">
+            <a:avLst/>
+          </a:prstGeom>
+        </p:spPr>
+        <p:txBody>
+          <a:bodyPr wrap="square">
+            <a:spAutoFit/>
+          </a:bodyPr>
+          <a:lstStyle/>
+          <a:p>
+            <a:pPr algn="ctr"/>
+            <a:r>
+              <a:rPr lang="zh-CN" altLang="en-US" sz="2000" b="1" dirty="0" smtClean="0">
+                <a:latin typeface="微软雅黑" panose="020B0503020204020204" pitchFamily="34" charset="-122"/>
+                <a:ea typeface="微软雅黑" panose="020B0503020204020204" pitchFamily="34" charset="-122"/>
+              </a:rPr>
+              <a:t>通知受影响的  涉众</a:t>
+            </a:r>
+            <a:endParaRPr lang="zh-CN" altLang="en-US" sz="2000" b="1" dirty="0">
+              <a:latin typeface="微软雅黑" panose="020B0503020204020204" pitchFamily="34" charset="-122"/>
+              <a:ea typeface="微软雅黑" panose="020B0503020204020204" pitchFamily="34" charset="-122"/>
+            </a:endParaRPr>
+          </a:p>
+        </p:txBody>
+      </p:sp>
+      <p:sp>
+        <p:nvSpPr>
+          <p:cNvPr id="26" name="矩形 25"/>
+          <p:cNvSpPr/>
+          <p:nvPr/>
+        </p:nvSpPr>
+        <p:spPr>
+          <a:xfrm>
+            <a:off x="3569329" y="4674579"/>
+            <a:ext cx="2565272" cy="701346"/>
+          </a:xfrm>
+          <a:prstGeom prst="rect">
+            <a:avLst/>
+          </a:prstGeom>
+        </p:spPr>
+        <p:txBody>
+          <a:bodyPr wrap="square">
+            <a:spAutoFit/>
+          </a:bodyPr>
+          <a:lstStyle/>
+          <a:p>
+            <a:pPr algn="ctr">
+              <a:lnSpc>
+                <a:spcPct val="130000"/>
+              </a:lnSpc>
+            </a:pPr>
+            <a:r>
+              <a:rPr lang="zh-CN" altLang="en-US" sz="1600" dirty="0" smtClean="0">
+                <a:solidFill>
+                  <a:srgbClr val="7E7E7E"/>
+                </a:solidFill>
+                <a:latin typeface="微软雅黑" panose="020B0503020204020204" pitchFamily="34" charset="-122"/>
+                <a:ea typeface="微软雅黑" panose="020B0503020204020204" pitchFamily="34" charset="-122"/>
+              </a:rPr>
+              <a:t>将变更通知所有受影响的涉众</a:t>
+            </a:r>
+            <a:endParaRPr lang="zh-CN" altLang="en-US" sz="1600" dirty="0">
+              <a:solidFill>
+                <a:srgbClr val="7E7E7E"/>
+              </a:solidFill>
+              <a:latin typeface="微软雅黑" panose="020B0503020204020204" pitchFamily="34" charset="-122"/>
+              <a:ea typeface="微软雅黑" panose="020B0503020204020204" pitchFamily="34" charset="-122"/>
+            </a:endParaRPr>
+          </a:p>
+        </p:txBody>
+      </p:sp>
+      <p:sp>
+        <p:nvSpPr>
+          <p:cNvPr id="28" name="矩形 27"/>
+          <p:cNvSpPr/>
+          <p:nvPr/>
+        </p:nvSpPr>
+        <p:spPr>
+          <a:xfrm>
+            <a:off x="6226303" y="4772297"/>
+            <a:ext cx="2565272" cy="381258"/>
+          </a:xfrm>
+          <a:prstGeom prst="rect">
+            <a:avLst/>
+          </a:prstGeom>
+        </p:spPr>
+        <p:txBody>
+          <a:bodyPr wrap="square">
+            <a:spAutoFit/>
+          </a:bodyPr>
+          <a:lstStyle/>
+          <a:p>
+            <a:pPr algn="ctr">
+              <a:lnSpc>
+                <a:spcPct val="130000"/>
+              </a:lnSpc>
+            </a:pPr>
+            <a:r>
+              <a:rPr lang="zh-CN" altLang="en-US" sz="1600" dirty="0" smtClean="0">
+                <a:solidFill>
+                  <a:srgbClr val="7E7E7E"/>
+                </a:solidFill>
+                <a:latin typeface="微软雅黑" panose="020B0503020204020204" pitchFamily="34" charset="-122"/>
+                <a:ea typeface="微软雅黑" panose="020B0503020204020204" pitchFamily="34" charset="-122"/>
+              </a:rPr>
+              <a:t>变更执行完成</a:t>
+            </a:r>
+            <a:endParaRPr lang="zh-CN" altLang="en-US" sz="1600" dirty="0">
+              <a:solidFill>
+                <a:srgbClr val="7E7E7E"/>
+              </a:solidFill>
+              <a:latin typeface="微软雅黑" panose="020B0503020204020204" pitchFamily="34" charset="-122"/>
+              <a:ea typeface="微软雅黑" panose="020B0503020204020204" pitchFamily="34" charset="-122"/>
+            </a:endParaRPr>
+          </a:p>
+        </p:txBody>
+      </p:sp>
+      <p:sp>
+        <p:nvSpPr>
+          <p:cNvPr id="31" name="文本框 30"/>
+          <p:cNvSpPr txBox="1"/>
+          <p:nvPr/>
+        </p:nvSpPr>
+        <p:spPr>
+          <a:xfrm>
+            <a:off x="763436" y="498244"/>
+            <a:ext cx="4881580" cy="646331"/>
+          </a:xfrm>
+          <a:prstGeom prst="rect">
+            <a:avLst/>
+          </a:prstGeom>
+          <a:noFill/>
+        </p:spPr>
+        <p:txBody>
+          <a:bodyPr wrap="square" rtlCol="0">
+            <a:spAutoFit/>
+          </a:bodyPr>
+          <a:lstStyle/>
+          <a:p>
+            <a:r>
+              <a:rPr lang="zh-CN" altLang="en-US" sz="3600" dirty="0" smtClean="0">
+                <a:solidFill>
+                  <a:srgbClr val="E7E6E6">
+                    <a:lumMod val="50000"/>
+                  </a:srgbClr>
+                </a:solidFill>
+                <a:latin typeface="微软雅黑" panose="020B0503020204020204" pitchFamily="34" charset="-122"/>
+                <a:ea typeface="微软雅黑" panose="020B0503020204020204" pitchFamily="34" charset="-122"/>
+              </a:rPr>
+              <a:t>变更影响分析</a:t>
+            </a:r>
+            <a:endParaRPr lang="zh-CN" altLang="en-US" sz="3600" dirty="0">
+              <a:solidFill>
+                <a:srgbClr val="E7E6E6">
+                  <a:lumMod val="50000"/>
+                </a:srgbClr>
+              </a:solidFill>
+              <a:latin typeface="微软雅黑" panose="020B0503020204020204" pitchFamily="34" charset="-122"/>
+              <a:ea typeface="微软雅黑" panose="020B0503020204020204" pitchFamily="34" charset="-122"/>
+            </a:endParaRPr>
+          </a:p>
+        </p:txBody>
+      </p:sp>
+      <p:sp>
+        <p:nvSpPr>
+          <p:cNvPr id="33" name="矩形 32"/>
+          <p:cNvSpPr/>
+          <p:nvPr/>
+        </p:nvSpPr>
+        <p:spPr>
+          <a:xfrm>
+            <a:off x="6845776" y="3083790"/>
+            <a:ext cx="1259194" cy="400110"/>
+          </a:xfrm>
+          <a:prstGeom prst="rect">
+            <a:avLst/>
+          </a:prstGeom>
+        </p:spPr>
+        <p:txBody>
+          <a:bodyPr wrap="square">
+            <a:spAutoFit/>
+          </a:bodyPr>
+          <a:lstStyle/>
+          <a:p>
+            <a:r>
+              <a:rPr lang="zh-CN" altLang="en-US" sz="2000" b="1" dirty="0" smtClean="0">
+                <a:latin typeface="微软雅黑" panose="020B0503020204020204" pitchFamily="34" charset="-122"/>
+                <a:ea typeface="微软雅黑" panose="020B0503020204020204" pitchFamily="34" charset="-122"/>
+              </a:rPr>
+              <a:t>变更结束</a:t>
+            </a:r>
+            <a:endParaRPr lang="zh-CN" altLang="en-US" sz="2000" b="1" dirty="0">
+              <a:latin typeface="微软雅黑" panose="020B0503020204020204" pitchFamily="34" charset="-122"/>
+              <a:ea typeface="微软雅黑" panose="020B0503020204020204" pitchFamily="34" charset="-122"/>
+            </a:endParaRPr>
+          </a:p>
+        </p:txBody>
+      </p:sp>
+    </p:spTree>
+    <p:extLst>
+      <p:ext uri="{BB962C8B-B14F-4D97-AF65-F5344CB8AC3E}">
+        <p14:creationId xmlns:p14="http://schemas.microsoft.com/office/powerpoint/2010/main" val="3377394652"/>
+      </p:ext>
+    </p:extLst>
+  </p:cSld>
+  <p:clrMapOvr>
+    <a:masterClrMapping/>
+  </p:clrMapOvr>
+  <p:transition spd="slow">
+    <p:fade/>
+  </p:transition>
+  <p:timing>
+    <p:tnLst>
+      <p:par>
+        <p:cTn id="1" dur="indefinite" restart="never" nodeType="tmRoot"/>
+      </p:par>
+    </p:tnLst>
+  </p:timing>
+</p:sld>
+</file>
+
+<file path=ppt/slides/slide8.xml><?xml version="1.0" encoding="utf-8"?>
 <p:sld xmlns:a="http://schemas.openxmlformats.org/drawingml/2006/main" xmlns:r="http://schemas.openxmlformats.org/officeDocument/2006/relationships" xmlns:p="http://schemas.openxmlformats.org/presentationml/2006/main">
   <p:cSld>
     <p:spTree>
@@ -14577,7 +16502,7 @@
 </p:sld>
 </file>
 
-<file path=ppt/slides/slide8.xml><?xml version="1.0" encoding="utf-8"?>
+<file path=ppt/slides/slide9.xml><?xml version="1.0" encoding="utf-8"?>
 <p:sld xmlns:a="http://schemas.openxmlformats.org/drawingml/2006/main" xmlns:r="http://schemas.openxmlformats.org/officeDocument/2006/relationships" xmlns:p="http://schemas.openxmlformats.org/presentationml/2006/main">
   <p:cSld>
     <p:spTree>
@@ -14627,7 +16552,20 @@
                 <a:latin typeface="微软雅黑" panose="020B0503020204020204" pitchFamily="34" charset="-122"/>
                 <a:ea typeface="微软雅黑" panose="020B0503020204020204" pitchFamily="34" charset="-122"/>
               </a:rPr>
-              <a:t>变更所需花费的时间</a:t>
+              <a:t>变更估计花费</a:t>
+            </a:r>
+            <a:r>
+              <a:rPr lang="zh-CN" altLang="en-US" sz="3600" dirty="0" smtClean="0">
+                <a:solidFill>
+                  <a:prstClr val="black">
+                    <a:lumMod val="50000"/>
+                    <a:lumOff val="50000"/>
+                  </a:prstClr>
+                </a:solidFill>
+                <a:latin typeface="微软雅黑" panose="020B0503020204020204" pitchFamily="34" charset="-122"/>
+                <a:ea typeface="微软雅黑" panose="020B0503020204020204" pitchFamily="34" charset="-122"/>
+              </a:rPr>
+              <a:t>的时间</a:t>
             </a:r>
             <a:endParaRPr lang="zh-CN" altLang="en-US" sz="3600" dirty="0">
               <a:solidFill>
@@ -14651,7 +16589,7 @@
           <p:nvPr>
             <p:extLst>
               <p:ext uri="{D42A27DB-BD31-4B8C-83A1-F6EECF244321}">
-                <p14:modId xmlns:p14="http://schemas.microsoft.com/office/powerpoint/2010/main" val="2123089170"/>
+                <p14:modId xmlns:p14="http://schemas.microsoft.com/office/powerpoint/2010/main" val="2042779749"/>
               </p:ext>
             </p:extLst>
           </p:nvPr>
@@ -14708,12 +16646,18 @@
                         </a:spcAft>
                       </a:pPr>
                       <a:r>
-                        <a:rPr lang="zh-CN" sz="1800" kern="100">
+                        <a:rPr lang="zh-CN" altLang="en-US" sz="1800" kern="100" dirty="0" smtClean="0">
+                          <a:effectLst/>
+                        </a:rPr>
+                        <a:t>估计</a:t>
+                      </a:r>
+                      <a:r>
+                        <a:rPr lang="zh-CN" sz="1800" kern="100" dirty="0" smtClean="0">
                           <a:effectLst/>
                         </a:rPr>
                         <a:t>工时</a:t>
                       </a:r>
-                      <a:endParaRPr lang="zh-CN" sz="1800" kern="100">
+                      <a:endParaRPr lang="zh-CN" sz="1800" kern="100" dirty="0">
                         <a:effectLst/>
                         <a:latin typeface="Calibri"/>
                         <a:ea typeface="宋体"/>
@@ -15306,696 +17250,6 @@
 </p:sld>
 </file>
 
-<file path=ppt/slides/slide9.xml><?xml version="1.0" encoding="utf-8"?>
-<p:sld xmlns:a="http://schemas.openxmlformats.org/drawingml/2006/main" xmlns:r="http://schemas.openxmlformats.org/officeDocument/2006/relationships" xmlns:p="http://schemas.openxmlformats.org/presentationml/2006/main">
-  <p:cSld>
-    <p:spTree>
-      <p:nvGrpSpPr>
-        <p:cNvPr id="1" name=""/>
-        <p:cNvGrpSpPr/>
-        <p:nvPr/>
-      </p:nvGrpSpPr>
-      <p:grpSpPr>
-        <a:xfrm>
-          <a:off x="0" y="0"/>
-          <a:ext cx="0" cy="0"/>
-          <a:chOff x="0" y="0"/>
-          <a:chExt cx="0" cy="0"/>
-        </a:xfrm>
-      </p:grpSpPr>
-      <p:sp>
-        <p:nvSpPr>
-          <p:cNvPr id="18" name="文本框 17"/>
-          <p:cNvSpPr txBox="1"/>
-          <p:nvPr/>
-        </p:nvSpPr>
-        <p:spPr>
-          <a:xfrm>
-            <a:off x="763436" y="498244"/>
-            <a:ext cx="4881580" cy="646331"/>
-          </a:xfrm>
-          <a:prstGeom prst="rect">
-            <a:avLst/>
-          </a:prstGeom>
-          <a:noFill/>
-        </p:spPr>
-        <p:txBody>
-          <a:bodyPr wrap="square" rtlCol="0">
-            <a:spAutoFit/>
-          </a:bodyPr>
-          <a:lstStyle/>
-          <a:p>
-            <a:r>
-              <a:rPr lang="zh-CN" altLang="en-US" sz="3600" dirty="0" smtClean="0">
-                <a:solidFill>
-                  <a:prstClr val="black">
-                    <a:lumMod val="50000"/>
-                    <a:lumOff val="50000"/>
-                  </a:prstClr>
-                </a:solidFill>
-                <a:latin typeface="微软雅黑" panose="020B0503020204020204" pitchFamily="34" charset="-122"/>
-                <a:ea typeface="微软雅黑" panose="020B0503020204020204" pitchFamily="34" charset="-122"/>
-              </a:rPr>
-              <a:t>变更所受影响的干系人</a:t>
-            </a:r>
-            <a:endParaRPr lang="zh-CN" altLang="en-US" sz="3600" dirty="0">
-              <a:solidFill>
-                <a:prstClr val="black">
-                  <a:lumMod val="50000"/>
-                  <a:lumOff val="50000"/>
-                </a:prstClr>
-              </a:solidFill>
-              <a:latin typeface="微软雅黑" panose="020B0503020204020204" pitchFamily="34" charset="-122"/>
-              <a:ea typeface="微软雅黑" panose="020B0503020204020204" pitchFamily="34" charset="-122"/>
-            </a:endParaRPr>
-          </a:p>
-        </p:txBody>
-      </p:sp>
-      <p:graphicFrame>
-        <p:nvGraphicFramePr>
-          <p:cNvPr id="2" name="表格 1"/>
-          <p:cNvGraphicFramePr>
-            <a:graphicFrameLocks noGrp="1"/>
-          </p:cNvGraphicFramePr>
-          <p:nvPr>
-            <p:extLst>
-              <p:ext uri="{D42A27DB-BD31-4B8C-83A1-F6EECF244321}">
-                <p14:modId xmlns:p14="http://schemas.microsoft.com/office/powerpoint/2010/main" val="3949309964"/>
-              </p:ext>
-            </p:extLst>
-          </p:nvPr>
-        </p:nvGraphicFramePr>
-        <p:xfrm>
-          <a:off x="1432560" y="1483364"/>
-          <a:ext cx="6969760" cy="4389120"/>
-        </p:xfrm>
-        <a:graphic>
-          <a:graphicData uri="http://schemas.openxmlformats.org/drawingml/2006/table">
-            <a:tbl>
-              <a:tblPr firstRow="1" firstCol="1" bandRow="1">
-                <a:tableStyleId>{5C22544A-7EE6-4342-B048-85BDC9FD1C3A}</a:tableStyleId>
-              </a:tblPr>
-              <a:tblGrid>
-                <a:gridCol w="1827906"/>
-                <a:gridCol w="5141854"/>
-              </a:tblGrid>
-              <a:tr h="438912">
-                <a:tc>
-                  <a:txBody>
-                    <a:bodyPr/>
-                    <a:lstStyle/>
-                    <a:p>
-                      <a:pPr algn="just">
-                        <a:spcAft>
-                          <a:spcPts val="0"/>
-                        </a:spcAft>
-                      </a:pPr>
-                      <a:r>
-                        <a:rPr lang="zh-CN" sz="2000" kern="100" dirty="0">
-                          <a:effectLst/>
-                        </a:rPr>
-                        <a:t>姓名</a:t>
-                      </a:r>
-                      <a:endParaRPr lang="zh-CN" sz="2000" kern="100" dirty="0">
-                        <a:effectLst/>
-                        <a:latin typeface="Calibri"/>
-                        <a:ea typeface="宋体"/>
-                        <a:cs typeface="Times New Roman"/>
-                      </a:endParaRPr>
-                    </a:p>
-                  </a:txBody>
-                  <a:tcPr marL="68580" marR="68580" marT="0" marB="0"/>
-                </a:tc>
-                <a:tc>
-                  <a:txBody>
-                    <a:bodyPr/>
-                    <a:lstStyle/>
-                    <a:p>
-                      <a:pPr algn="just">
-                        <a:spcAft>
-                          <a:spcPts val="0"/>
-                        </a:spcAft>
-                      </a:pPr>
-                      <a:r>
-                        <a:rPr lang="zh-CN" sz="2000" kern="100">
-                          <a:effectLst/>
-                        </a:rPr>
-                        <a:t>角色</a:t>
-                      </a:r>
-                      <a:endParaRPr lang="zh-CN" sz="2000" kern="100">
-                        <a:effectLst/>
-                        <a:latin typeface="Calibri"/>
-                        <a:ea typeface="宋体"/>
-                        <a:cs typeface="Times New Roman"/>
-                      </a:endParaRPr>
-                    </a:p>
-                  </a:txBody>
-                  <a:tcPr marL="68580" marR="68580" marT="0" marB="0"/>
-                </a:tc>
-              </a:tr>
-              <a:tr h="438912">
-                <a:tc>
-                  <a:txBody>
-                    <a:bodyPr/>
-                    <a:lstStyle/>
-                    <a:p>
-                      <a:pPr algn="just">
-                        <a:spcAft>
-                          <a:spcPts val="0"/>
-                        </a:spcAft>
-                      </a:pPr>
-                      <a:r>
-                        <a:rPr lang="zh-CN" sz="2000" kern="100" dirty="0">
-                          <a:effectLst/>
-                        </a:rPr>
-                        <a:t>杨枨</a:t>
-                      </a:r>
-                      <a:endParaRPr lang="zh-CN" sz="2000" kern="100" dirty="0">
-                        <a:effectLst/>
-                        <a:latin typeface="Calibri"/>
-                        <a:ea typeface="宋体"/>
-                        <a:cs typeface="Times New Roman"/>
-                      </a:endParaRPr>
-                    </a:p>
-                  </a:txBody>
-                  <a:tcPr marL="68580" marR="68580" marT="0" marB="0"/>
-                </a:tc>
-                <a:tc>
-                  <a:txBody>
-                    <a:bodyPr/>
-                    <a:lstStyle/>
-                    <a:p>
-                      <a:pPr algn="just">
-                        <a:spcAft>
-                          <a:spcPts val="0"/>
-                        </a:spcAft>
-                      </a:pPr>
-                      <a:r>
-                        <a:rPr lang="zh-CN" sz="2000" kern="100">
-                          <a:effectLst/>
-                        </a:rPr>
-                        <a:t>客户代表，教师用户代表</a:t>
-                      </a:r>
-                      <a:endParaRPr lang="zh-CN" sz="2000" kern="100">
-                        <a:effectLst/>
-                        <a:latin typeface="Calibri"/>
-                        <a:ea typeface="宋体"/>
-                        <a:cs typeface="Times New Roman"/>
-                      </a:endParaRPr>
-                    </a:p>
-                  </a:txBody>
-                  <a:tcPr marL="68580" marR="68580" marT="0" marB="0"/>
-                </a:tc>
-              </a:tr>
-              <a:tr h="438912">
-                <a:tc>
-                  <a:txBody>
-                    <a:bodyPr/>
-                    <a:lstStyle/>
-                    <a:p>
-                      <a:pPr algn="just">
-                        <a:spcAft>
-                          <a:spcPts val="0"/>
-                        </a:spcAft>
-                      </a:pPr>
-                      <a:r>
-                        <a:rPr lang="zh-CN" sz="2000" kern="100" dirty="0">
-                          <a:effectLst/>
-                        </a:rPr>
-                        <a:t>余敬</a:t>
-                      </a:r>
-                      <a:endParaRPr lang="zh-CN" sz="2000" kern="100" dirty="0">
-                        <a:effectLst/>
-                        <a:latin typeface="Calibri"/>
-                        <a:ea typeface="宋体"/>
-                        <a:cs typeface="Times New Roman"/>
-                      </a:endParaRPr>
-                    </a:p>
-                  </a:txBody>
-                  <a:tcPr marL="68580" marR="68580" marT="0" marB="0"/>
-                </a:tc>
-                <a:tc>
-                  <a:txBody>
-                    <a:bodyPr/>
-                    <a:lstStyle/>
-                    <a:p>
-                      <a:pPr algn="just">
-                        <a:spcAft>
-                          <a:spcPts val="0"/>
-                        </a:spcAft>
-                      </a:pPr>
-                      <a:r>
-                        <a:rPr lang="en-US" sz="2000" kern="100" dirty="0">
-                          <a:effectLst/>
-                        </a:rPr>
-                        <a:t>PRD-2016-G16</a:t>
-                      </a:r>
-                      <a:r>
-                        <a:rPr lang="zh-CN" sz="2000" kern="100" dirty="0">
-                          <a:effectLst/>
-                        </a:rPr>
-                        <a:t>小组成员</a:t>
-                      </a:r>
-                      <a:endParaRPr lang="zh-CN" sz="2000" kern="100" dirty="0">
-                        <a:effectLst/>
-                        <a:latin typeface="Calibri"/>
-                        <a:ea typeface="宋体"/>
-                        <a:cs typeface="Times New Roman"/>
-                      </a:endParaRPr>
-                    </a:p>
-                  </a:txBody>
-                  <a:tcPr marL="68580" marR="68580" marT="0" marB="0"/>
-                </a:tc>
-              </a:tr>
-              <a:tr h="438912">
-                <a:tc>
-                  <a:txBody>
-                    <a:bodyPr/>
-                    <a:lstStyle/>
-                    <a:p>
-                      <a:pPr algn="just">
-                        <a:spcAft>
-                          <a:spcPts val="0"/>
-                        </a:spcAft>
-                      </a:pPr>
-                      <a:r>
-                        <a:rPr lang="zh-CN" sz="2000" kern="100">
-                          <a:effectLst/>
-                        </a:rPr>
-                        <a:t>张伟鹏</a:t>
-                      </a:r>
-                      <a:endParaRPr lang="zh-CN" sz="2000" kern="100">
-                        <a:effectLst/>
-                        <a:latin typeface="Calibri"/>
-                        <a:ea typeface="宋体"/>
-                        <a:cs typeface="Times New Roman"/>
-                      </a:endParaRPr>
-                    </a:p>
-                  </a:txBody>
-                  <a:tcPr marL="68580" marR="68580" marT="0" marB="0"/>
-                </a:tc>
-                <a:tc>
-                  <a:txBody>
-                    <a:bodyPr/>
-                    <a:lstStyle/>
-                    <a:p>
-                      <a:pPr algn="just">
-                        <a:spcAft>
-                          <a:spcPts val="0"/>
-                        </a:spcAft>
-                      </a:pPr>
-                      <a:r>
-                        <a:rPr lang="en-US" sz="2000" kern="100" dirty="0">
-                          <a:effectLst/>
-                        </a:rPr>
-                        <a:t>PRD-2016-G16</a:t>
-                      </a:r>
-                      <a:r>
-                        <a:rPr lang="zh-CN" sz="2000" kern="100" dirty="0">
-                          <a:effectLst/>
-                        </a:rPr>
-                        <a:t>小组成员</a:t>
-                      </a:r>
-                      <a:endParaRPr lang="zh-CN" sz="2000" kern="100" dirty="0">
-                        <a:effectLst/>
-                        <a:latin typeface="Calibri"/>
-                        <a:ea typeface="宋体"/>
-                        <a:cs typeface="Times New Roman"/>
-                      </a:endParaRPr>
-                    </a:p>
-                  </a:txBody>
-                  <a:tcPr marL="68580" marR="68580" marT="0" marB="0"/>
-                </a:tc>
-              </a:tr>
-              <a:tr h="438912">
-                <a:tc>
-                  <a:txBody>
-                    <a:bodyPr/>
-                    <a:lstStyle/>
-                    <a:p>
-                      <a:pPr algn="just">
-                        <a:spcAft>
-                          <a:spcPts val="0"/>
-                        </a:spcAft>
-                      </a:pPr>
-                      <a:r>
-                        <a:rPr lang="zh-CN" sz="2000" kern="100">
-                          <a:effectLst/>
-                        </a:rPr>
-                        <a:t>唐子煜</a:t>
-                      </a:r>
-                      <a:endParaRPr lang="zh-CN" sz="2000" kern="100">
-                        <a:effectLst/>
-                        <a:latin typeface="Calibri"/>
-                        <a:ea typeface="宋体"/>
-                        <a:cs typeface="Times New Roman"/>
-                      </a:endParaRPr>
-                    </a:p>
-                  </a:txBody>
-                  <a:tcPr marL="68580" marR="68580" marT="0" marB="0"/>
-                </a:tc>
-                <a:tc>
-                  <a:txBody>
-                    <a:bodyPr/>
-                    <a:lstStyle/>
-                    <a:p>
-                      <a:pPr algn="just">
-                        <a:spcAft>
-                          <a:spcPts val="0"/>
-                        </a:spcAft>
-                      </a:pPr>
-                      <a:r>
-                        <a:rPr lang="en-US" sz="2000" kern="100" dirty="0">
-                          <a:effectLst/>
-                        </a:rPr>
-                        <a:t>PRD-2016-G16</a:t>
-                      </a:r>
-                      <a:r>
-                        <a:rPr lang="zh-CN" sz="2000" kern="100" dirty="0">
-                          <a:effectLst/>
-                        </a:rPr>
-                        <a:t>小组成员</a:t>
-                      </a:r>
-                      <a:endParaRPr lang="zh-CN" sz="2000" kern="100" dirty="0">
-                        <a:effectLst/>
-                        <a:latin typeface="Calibri"/>
-                        <a:ea typeface="宋体"/>
-                        <a:cs typeface="Times New Roman"/>
-                      </a:endParaRPr>
-                    </a:p>
-                  </a:txBody>
-                  <a:tcPr marL="68580" marR="68580" marT="0" marB="0"/>
-                </a:tc>
-              </a:tr>
-              <a:tr h="438912">
-                <a:tc>
-                  <a:txBody>
-                    <a:bodyPr/>
-                    <a:lstStyle/>
-                    <a:p>
-                      <a:pPr algn="just">
-                        <a:spcAft>
-                          <a:spcPts val="0"/>
-                        </a:spcAft>
-                      </a:pPr>
-                      <a:r>
-                        <a:rPr lang="zh-CN" sz="2000" kern="100">
-                          <a:effectLst/>
-                        </a:rPr>
-                        <a:t>丁磊</a:t>
-                      </a:r>
-                      <a:endParaRPr lang="zh-CN" sz="2000" kern="100">
-                        <a:effectLst/>
-                        <a:latin typeface="Calibri"/>
-                        <a:ea typeface="宋体"/>
-                        <a:cs typeface="Times New Roman"/>
-                      </a:endParaRPr>
-                    </a:p>
-                  </a:txBody>
-                  <a:tcPr marL="68580" marR="68580" marT="0" marB="0"/>
-                </a:tc>
-                <a:tc>
-                  <a:txBody>
-                    <a:bodyPr/>
-                    <a:lstStyle/>
-                    <a:p>
-                      <a:pPr algn="just">
-                        <a:spcAft>
-                          <a:spcPts val="0"/>
-                        </a:spcAft>
-                      </a:pPr>
-                      <a:r>
-                        <a:rPr lang="en-US" sz="2000" kern="100" dirty="0">
-                          <a:effectLst/>
-                        </a:rPr>
-                        <a:t>PRD-2016-G16</a:t>
-                      </a:r>
-                      <a:r>
-                        <a:rPr lang="zh-CN" sz="2000" kern="100" dirty="0">
-                          <a:effectLst/>
-                        </a:rPr>
-                        <a:t>小组成员</a:t>
-                      </a:r>
-                      <a:endParaRPr lang="zh-CN" sz="2000" kern="100" dirty="0">
-                        <a:effectLst/>
-                        <a:latin typeface="Calibri"/>
-                        <a:ea typeface="宋体"/>
-                        <a:cs typeface="Times New Roman"/>
-                      </a:endParaRPr>
-                    </a:p>
-                  </a:txBody>
-                  <a:tcPr marL="68580" marR="68580" marT="0" marB="0"/>
-                </a:tc>
-              </a:tr>
-              <a:tr h="438912">
-                <a:tc>
-                  <a:txBody>
-                    <a:bodyPr/>
-                    <a:lstStyle/>
-                    <a:p>
-                      <a:pPr algn="just">
-                        <a:spcAft>
-                          <a:spcPts val="0"/>
-                        </a:spcAft>
-                      </a:pPr>
-                      <a:r>
-                        <a:rPr lang="zh-CN" sz="2000" kern="100">
-                          <a:effectLst/>
-                        </a:rPr>
-                        <a:t>陈建伟</a:t>
-                      </a:r>
-                      <a:endParaRPr lang="zh-CN" sz="2000" kern="100">
-                        <a:effectLst/>
-                        <a:latin typeface="Calibri"/>
-                        <a:ea typeface="宋体"/>
-                        <a:cs typeface="Times New Roman"/>
-                      </a:endParaRPr>
-                    </a:p>
-                  </a:txBody>
-                  <a:tcPr marL="68580" marR="68580" marT="0" marB="0"/>
-                </a:tc>
-                <a:tc>
-                  <a:txBody>
-                    <a:bodyPr/>
-                    <a:lstStyle/>
-                    <a:p>
-                      <a:pPr algn="just">
-                        <a:spcAft>
-                          <a:spcPts val="0"/>
-                        </a:spcAft>
-                      </a:pPr>
-                      <a:r>
-                        <a:rPr lang="en-US" sz="2000" kern="100" dirty="0">
-                          <a:effectLst/>
-                        </a:rPr>
-                        <a:t>PRD-2016-G16</a:t>
-                      </a:r>
-                      <a:r>
-                        <a:rPr lang="zh-CN" sz="2000" kern="100" dirty="0">
-                          <a:effectLst/>
-                        </a:rPr>
-                        <a:t>小组成员</a:t>
-                      </a:r>
-                      <a:endParaRPr lang="zh-CN" sz="2000" kern="100" dirty="0">
-                        <a:effectLst/>
-                        <a:latin typeface="Calibri"/>
-                        <a:ea typeface="宋体"/>
-                        <a:cs typeface="Times New Roman"/>
-                      </a:endParaRPr>
-                    </a:p>
-                  </a:txBody>
-                  <a:tcPr marL="68580" marR="68580" marT="0" marB="0"/>
-                </a:tc>
-              </a:tr>
-              <a:tr h="438912">
-                <a:tc>
-                  <a:txBody>
-                    <a:bodyPr/>
-                    <a:lstStyle/>
-                    <a:p>
-                      <a:pPr algn="just">
-                        <a:spcAft>
-                          <a:spcPts val="0"/>
-                        </a:spcAft>
-                      </a:pPr>
-                      <a:r>
-                        <a:rPr lang="zh-CN" sz="2000" kern="100">
-                          <a:effectLst/>
-                        </a:rPr>
-                        <a:t>伍超尘</a:t>
-                      </a:r>
-                      <a:endParaRPr lang="zh-CN" sz="2000" kern="100">
-                        <a:effectLst/>
-                        <a:latin typeface="Calibri"/>
-                        <a:ea typeface="宋体"/>
-                        <a:cs typeface="Times New Roman"/>
-                      </a:endParaRPr>
-                    </a:p>
-                  </a:txBody>
-                  <a:tcPr marL="68580" marR="68580" marT="0" marB="0"/>
-                </a:tc>
-                <a:tc>
-                  <a:txBody>
-                    <a:bodyPr/>
-                    <a:lstStyle/>
-                    <a:p>
-                      <a:pPr algn="just">
-                        <a:spcAft>
-                          <a:spcPts val="0"/>
-                        </a:spcAft>
-                      </a:pPr>
-                      <a:r>
-                        <a:rPr lang="zh-CN" sz="2000" kern="100" dirty="0">
-                          <a:effectLst/>
-                        </a:rPr>
-                        <a:t>开发人员代表</a:t>
-                      </a:r>
-                      <a:endParaRPr lang="zh-CN" sz="2000" kern="100" dirty="0">
-                        <a:effectLst/>
-                        <a:latin typeface="Calibri"/>
-                        <a:ea typeface="宋体"/>
-                        <a:cs typeface="Times New Roman"/>
-                      </a:endParaRPr>
-                    </a:p>
-                  </a:txBody>
-                  <a:tcPr marL="68580" marR="68580" marT="0" marB="0"/>
-                </a:tc>
-              </a:tr>
-              <a:tr h="438912">
-                <a:tc>
-                  <a:txBody>
-                    <a:bodyPr/>
-                    <a:lstStyle/>
-                    <a:p>
-                      <a:pPr algn="just">
-                        <a:spcAft>
-                          <a:spcPts val="0"/>
-                        </a:spcAft>
-                      </a:pPr>
-                      <a:r>
-                        <a:rPr lang="zh-CN" sz="2000" kern="100">
-                          <a:effectLst/>
-                        </a:rPr>
-                        <a:t>李泽龙</a:t>
-                      </a:r>
-                      <a:endParaRPr lang="zh-CN" sz="2000" kern="100">
-                        <a:effectLst/>
-                        <a:latin typeface="Calibri"/>
-                        <a:ea typeface="宋体"/>
-                        <a:cs typeface="Times New Roman"/>
-                      </a:endParaRPr>
-                    </a:p>
-                  </a:txBody>
-                  <a:tcPr marL="68580" marR="68580" marT="0" marB="0"/>
-                </a:tc>
-                <a:tc>
-                  <a:txBody>
-                    <a:bodyPr/>
-                    <a:lstStyle/>
-                    <a:p>
-                      <a:pPr algn="just">
-                        <a:spcAft>
-                          <a:spcPts val="0"/>
-                        </a:spcAft>
-                      </a:pPr>
-                      <a:r>
-                        <a:rPr lang="zh-CN" sz="2000" kern="100" dirty="0">
-                          <a:effectLst/>
-                        </a:rPr>
-                        <a:t>管理员用户代表</a:t>
-                      </a:r>
-                      <a:endParaRPr lang="zh-CN" sz="2000" kern="100" dirty="0">
-                        <a:effectLst/>
-                        <a:latin typeface="Calibri"/>
-                        <a:ea typeface="宋体"/>
-                        <a:cs typeface="Times New Roman"/>
-                      </a:endParaRPr>
-                    </a:p>
-                  </a:txBody>
-                  <a:tcPr marL="68580" marR="68580" marT="0" marB="0"/>
-                </a:tc>
-              </a:tr>
-              <a:tr h="438912">
-                <a:tc>
-                  <a:txBody>
-                    <a:bodyPr/>
-                    <a:lstStyle/>
-                    <a:p>
-                      <a:pPr algn="just">
-                        <a:spcAft>
-                          <a:spcPts val="0"/>
-                        </a:spcAft>
-                      </a:pPr>
-                      <a:r>
-                        <a:rPr lang="zh-CN" sz="2000" kern="100">
-                          <a:effectLst/>
-                        </a:rPr>
-                        <a:t>陈家俊</a:t>
-                      </a:r>
-                      <a:endParaRPr lang="zh-CN" sz="2000" kern="100">
-                        <a:effectLst/>
-                        <a:latin typeface="Calibri"/>
-                        <a:ea typeface="宋体"/>
-                        <a:cs typeface="Times New Roman"/>
-                      </a:endParaRPr>
-                    </a:p>
-                  </a:txBody>
-                  <a:tcPr marL="68580" marR="68580" marT="0" marB="0"/>
-                </a:tc>
-                <a:tc>
-                  <a:txBody>
-                    <a:bodyPr/>
-                    <a:lstStyle/>
-                    <a:p>
-                      <a:pPr algn="just">
-                        <a:spcAft>
-                          <a:spcPts val="0"/>
-                        </a:spcAft>
-                      </a:pPr>
-                      <a:r>
-                        <a:rPr lang="zh-CN" sz="2000" kern="100" dirty="0">
-                          <a:effectLst/>
-                        </a:rPr>
-                        <a:t>学生用户代表</a:t>
-                      </a:r>
-                      <a:endParaRPr lang="zh-CN" sz="2000" kern="100" dirty="0">
-                        <a:effectLst/>
-                        <a:latin typeface="Calibri"/>
-                        <a:ea typeface="宋体"/>
-                        <a:cs typeface="Times New Roman"/>
-                      </a:endParaRPr>
-                    </a:p>
-                  </a:txBody>
-                  <a:tcPr marL="68580" marR="68580" marT="0" marB="0"/>
-                </a:tc>
-              </a:tr>
-            </a:tbl>
-          </a:graphicData>
-        </a:graphic>
-      </p:graphicFrame>
-    </p:spTree>
-    <p:extLst>
-      <p:ext uri="{BB962C8B-B14F-4D97-AF65-F5344CB8AC3E}">
-        <p14:creationId xmlns:p14="http://schemas.microsoft.com/office/powerpoint/2010/main" val="4192342761"/>
-      </p:ext>
-    </p:extLst>
-  </p:cSld>
-  <p:clrMapOvr>
-    <a:masterClrMapping/>
-  </p:clrMapOvr>
-  <p:transition spd="slow">
-    <p:fade/>
-  </p:transition>
-  <p:timing>
-    <p:tnLst>
-      <p:par>
-        <p:cTn id="1" dur="indefinite" restart="never" nodeType="tmRoot"/>
-      </p:par>
-    </p:tnLst>
-  </p:timing>
-</p:sld>
-</file>
-
 <file path=ppt/theme/theme1.xml><?xml version="1.0" encoding="utf-8"?>
 <a:theme xmlns:a="http://schemas.openxmlformats.org/drawingml/2006/main" name="1_Office 主题">
   <a:themeElements>
@@ -16268,7 +17522,7 @@
   <a:extraClrSchemeLst/>
   <a:extLst>
     <a:ext uri="{05A4C25C-085E-4340-85A3-A5531E510DB2}">
-      <thm15:themeFamily xmlns:thm15="http://schemas.microsoft.com/office/thememl/2012/main" xmlns="" name="Office Theme" id="{62F939B6-93AF-4DB8-9C6B-D6C7DFDC589F}" vid="{4A3C46E8-61CC-4603-A589-7422A47A8E4A}"/>
+      <thm15:themeFamily xmlns="" xmlns:thm15="http://schemas.microsoft.com/office/thememl/2012/main" name="Office Theme" id="{62F939B6-93AF-4DB8-9C6B-D6C7DFDC589F}" vid="{4A3C46E8-61CC-4603-A589-7422A47A8E4A}"/>
     </a:ext>
   </a:extLst>
 </a:theme>
